--- a/docs/HAM.pptx
+++ b/docs/HAM.pptx
@@ -5,7 +5,7 @@
     <p:sldMasterId id="2147483659" r:id="rId1"/>
   </p:sldMasterIdLst>
   <p:notesMasterIdLst>
-    <p:notesMasterId r:id="rId20"/>
+    <p:notesMasterId r:id="rId21"/>
   </p:notesMasterIdLst>
   <p:sldIdLst>
     <p:sldId id="256" r:id="rId2"/>
@@ -25,7 +25,8 @@
     <p:sldId id="286" r:id="rId16"/>
     <p:sldId id="287" r:id="rId17"/>
     <p:sldId id="288" r:id="rId18"/>
-    <p:sldId id="271" r:id="rId19"/>
+    <p:sldId id="289" r:id="rId19"/>
+    <p:sldId id="271" r:id="rId20"/>
   </p:sldIdLst>
   <p:sldSz cx="9144000" cy="5143500" type="screen16x9"/>
   <p:notesSz cx="6858000" cy="9144000"/>
@@ -6012,15 +6013,7 @@
           <a:p>
             <a:r>
               <a:rPr lang="en-US" dirty="0"/>
-              <a:t>Edit the first call to gateway/</a:t>
-            </a:r>
-            <a:r>
-              <a:rPr lang="en-US" dirty="0" err="1"/>
-              <a:t>api</a:t>
-            </a:r>
-            <a:r>
-              <a:rPr lang="en-US" dirty="0"/>
-              <a:t>/v1/employees and set the response body as “fail” </a:t>
+              <a:t>Edit the first call to gateway/api/v1/employees and set the response body as “fail” </a:t>
             </a:r>
           </a:p>
           <a:p>
@@ -6152,19 +6145,22 @@
           <a:p>
             <a:r>
               <a:rPr lang="en-US" dirty="0"/>
-              <a:t>On the Script tab select all the “gateway” calls and set them as Stimulator</a:t>
-            </a:r>
-          </a:p>
-          <a:p>
-            <a:r>
-              <a:rPr lang="en-US" dirty="0"/>
-              <a:t>On the Full tab select all the “be” calls and set them as </a:t>
-            </a:r>
-            <a:r>
-              <a:rPr lang="en-US" dirty="0" err="1"/>
-              <a:t>StimulatED</a:t>
-            </a:r>
-            <a:endParaRPr lang="en-US" dirty="0"/>
+              <a:t>On the Script tab select all the “gateway” calls and set them as Stimulat</a:t>
+            </a:r>
+            <a:r>
+              <a:rPr lang="en-US" u="sng" dirty="0"/>
+              <a:t>or</a:t>
+            </a:r>
+          </a:p>
+          <a:p>
+            <a:r>
+              <a:rPr lang="en-US" dirty="0"/>
+              <a:t>On the Full tab select all the “be” calls and set them as Stimulat</a:t>
+            </a:r>
+            <a:r>
+              <a:rPr lang="en-US" u="sng" dirty="0"/>
+              <a:t>ed</a:t>
+            </a:r>
           </a:p>
           <a:p>
             <a:pPr lvl="1"/>
@@ -6189,15 +6185,7 @@
           <a:p>
             <a:r>
               <a:rPr lang="en-US" dirty="0"/>
-              <a:t>Stop the </a:t>
-            </a:r>
-            <a:r>
-              <a:rPr lang="en-US" dirty="0" err="1"/>
-              <a:t>fe</a:t>
-            </a:r>
-            <a:r>
-              <a:rPr lang="en-US" dirty="0"/>
-              <a:t> and the be</a:t>
+              <a:t>Stop the fe and the be</a:t>
             </a:r>
           </a:p>
           <a:p>
@@ -6314,15 +6302,7 @@
           <a:p>
             <a:r>
               <a:rPr lang="en-US" dirty="0"/>
-              <a:t>Edit the first call to be/</a:t>
-            </a:r>
-            <a:r>
-              <a:rPr lang="en-US" dirty="0" err="1"/>
-              <a:t>api</a:t>
-            </a:r>
-            <a:r>
-              <a:rPr lang="en-US" dirty="0"/>
-              <a:t>/v1/employees and set the response body as “fail” </a:t>
+              <a:t>Edit the first call to be/api/v1/employees and set the response body as “fail” </a:t>
             </a:r>
           </a:p>
           <a:p>
@@ -6334,15 +6314,7 @@
           <a:p>
             <a:r>
               <a:rPr lang="en-US" dirty="0"/>
-              <a:t>Stop the </a:t>
-            </a:r>
-            <a:r>
-              <a:rPr lang="en-US" dirty="0" err="1"/>
-              <a:t>fe</a:t>
-            </a:r>
-            <a:r>
-              <a:rPr lang="en-US" dirty="0"/>
-              <a:t> and the be</a:t>
+              <a:t>Stop the fe and the be</a:t>
             </a:r>
           </a:p>
           <a:p>
@@ -7746,11 +7718,11 @@
             </a:r>
             <a:r>
               <a:rPr lang="en-US" dirty="0" err="1"/>
-              <a:t>wetheaver</a:t>
-            </a:r>
-            <a:r>
-              <a:rPr lang="en-US" dirty="0"/>
-              <a:t>”:”something”</a:t>
+              <a:t>test”:”something</a:t>
+            </a:r>
+            <a:r>
+              <a:rPr lang="en-US" dirty="0"/>
+              <a:t>”</a:t>
             </a:r>
           </a:p>
           <a:p>
@@ -7784,6 +7756,604 @@
 </file>
 
 <file path=ppt/slides/slide18.xml><?xml version="1.0" encoding="utf-8"?>
+<p:sld xmlns:a="http://schemas.openxmlformats.org/drawingml/2006/main" xmlns:r="http://schemas.openxmlformats.org/officeDocument/2006/relationships" xmlns:p="http://schemas.openxmlformats.org/presentationml/2006/main">
+  <p:cSld>
+    <p:spTree>
+      <p:nvGrpSpPr>
+        <p:cNvPr id="1" name=""/>
+        <p:cNvGrpSpPr/>
+        <p:nvPr/>
+      </p:nvGrpSpPr>
+      <p:grpSpPr>
+        <a:xfrm>
+          <a:off x="0" y="0"/>
+          <a:ext cx="0" cy="0"/>
+          <a:chOff x="0" y="0"/>
+          <a:chExt cx="0" cy="0"/>
+        </a:xfrm>
+      </p:grpSpPr>
+      <p:sp>
+        <p:nvSpPr>
+          <p:cNvPr id="2" name="Title 1">
+            <a:extLst>
+              <a:ext uri="{FF2B5EF4-FFF2-40B4-BE49-F238E27FC236}">
+                <a16:creationId xmlns:a16="http://schemas.microsoft.com/office/drawing/2014/main" id="{FF144CF6-BFA0-4F89-9E0D-4CE9A82FE075}"/>
+              </a:ext>
+            </a:extLst>
+          </p:cNvPr>
+          <p:cNvSpPr>
+            <a:spLocks noGrp="1"/>
+          </p:cNvSpPr>
+          <p:nvPr>
+            <p:ph type="title"/>
+          </p:nvPr>
+        </p:nvSpPr>
+        <p:spPr/>
+        <p:txBody>
+          <a:bodyPr>
+            <a:normAutofit fontScale="90000"/>
+          </a:bodyPr>
+          <a:lstStyle/>
+          <a:p>
+            <a:r>
+              <a:rPr lang="en-US"/>
+              <a:t>Mock</a:t>
+            </a:r>
+            <a:endParaRPr lang="en-US" dirty="0"/>
+          </a:p>
+        </p:txBody>
+      </p:sp>
+      <p:sp>
+        <p:nvSpPr>
+          <p:cNvPr id="3" name="Text Placeholder 2">
+            <a:extLst>
+              <a:ext uri="{FF2B5EF4-FFF2-40B4-BE49-F238E27FC236}">
+                <a16:creationId xmlns:a16="http://schemas.microsoft.com/office/drawing/2014/main" id="{4B45FBFF-45D8-4BF8-95EB-2F36D3F69DF4}"/>
+              </a:ext>
+            </a:extLst>
+          </p:cNvPr>
+          <p:cNvSpPr>
+            <a:spLocks noGrp="1"/>
+          </p:cNvSpPr>
+          <p:nvPr>
+            <p:ph type="body" idx="1"/>
+          </p:nvPr>
+        </p:nvSpPr>
+        <p:spPr>
+          <a:xfrm>
+            <a:off x="311700" y="1152475"/>
+            <a:ext cx="8520600" cy="1953034"/>
+          </a:xfrm>
+        </p:spPr>
+        <p:txBody>
+          <a:bodyPr>
+            <a:normAutofit lnSpcReduction="10000"/>
+          </a:bodyPr>
+          <a:lstStyle/>
+          <a:p>
+            <a:r>
+              <a:rPr lang="en-US" dirty="0"/>
+              <a:t>Enter the JS Filters plugin</a:t>
+            </a:r>
+          </a:p>
+          <a:p>
+            <a:r>
+              <a:rPr lang="en-US" dirty="0"/>
+              <a:t>Add a new script</a:t>
+            </a:r>
+          </a:p>
+          <a:p>
+            <a:pPr lvl="1"/>
+            <a:r>
+              <a:rPr lang="en-US" dirty="0"/>
+              <a:t>Method: GET</a:t>
+            </a:r>
+          </a:p>
+          <a:p>
+            <a:pPr lvl="1"/>
+            <a:r>
+              <a:rPr lang="en-US" dirty="0"/>
+              <a:t>Host Address: </a:t>
+            </a:r>
+            <a:r>
+              <a:rPr lang="en-US" dirty="0">
+                <a:hlinkClick r:id="rId2"/>
+              </a:rPr>
+              <a:t>www.local.test</a:t>
+            </a:r>
+            <a:endParaRPr lang="en-US" dirty="0"/>
+          </a:p>
+          <a:p>
+            <a:pPr lvl="1"/>
+            <a:r>
+              <a:rPr lang="en-US" dirty="0"/>
+              <a:t>Path Address: /test</a:t>
+            </a:r>
+          </a:p>
+          <a:p>
+            <a:pPr lvl="1"/>
+            <a:r>
+              <a:rPr lang="en-US" dirty="0"/>
+              <a:t>Phase: PRE_RENDER</a:t>
+            </a:r>
+          </a:p>
+          <a:p>
+            <a:pPr lvl="1"/>
+            <a:r>
+              <a:rPr lang="en-US" dirty="0"/>
+              <a:t>Blocking: true</a:t>
+            </a:r>
+          </a:p>
+          <a:p>
+            <a:endParaRPr lang="en-US" dirty="0"/>
+          </a:p>
+        </p:txBody>
+      </p:sp>
+      <p:sp>
+        <p:nvSpPr>
+          <p:cNvPr id="5" name="TextBox 4">
+            <a:extLst>
+              <a:ext uri="{FF2B5EF4-FFF2-40B4-BE49-F238E27FC236}">
+                <a16:creationId xmlns:a16="http://schemas.microsoft.com/office/drawing/2014/main" id="{7D40B076-B033-4F85-8727-2E9703BAAF58}"/>
+              </a:ext>
+            </a:extLst>
+          </p:cNvPr>
+          <p:cNvSpPr txBox="1"/>
+          <p:nvPr/>
+        </p:nvSpPr>
+        <p:spPr>
+          <a:xfrm>
+            <a:off x="422693" y="2934352"/>
+            <a:ext cx="6396527" cy="1169551"/>
+          </a:xfrm>
+          <a:prstGeom prst="rect">
+            <a:avLst/>
+          </a:prstGeom>
+          <a:noFill/>
+        </p:spPr>
+        <p:txBody>
+          <a:bodyPr wrap="square" rtlCol="0">
+            <a:spAutoFit/>
+          </a:bodyPr>
+          <a:lstStyle/>
+          <a:p>
+            <a:r>
+              <a:rPr lang="en-US" sz="1000" dirty="0"/>
+              <a:t>var today = </a:t>
+            </a:r>
+            <a:r>
+              <a:rPr lang="en-US" sz="1000" dirty="0" err="1"/>
+              <a:t>getCurrentDate</a:t>
+            </a:r>
+            <a:r>
+              <a:rPr lang="en-US" sz="1000" dirty="0"/>
+              <a:t>()+</a:t>
+            </a:r>
+            <a:r>
+              <a:rPr lang="en-US" sz="1000" dirty="0" err="1"/>
+              <a:t>utils.loadFile</a:t>
+            </a:r>
+            <a:r>
+              <a:rPr lang="en-US" sz="1000" dirty="0"/>
+              <a:t>('</a:t>
+            </a:r>
+            <a:r>
+              <a:rPr lang="en-US" sz="1000" dirty="0" err="1"/>
+              <a:t>test.txt',false</a:t>
+            </a:r>
+            <a:r>
+              <a:rPr lang="en-US" sz="1000" dirty="0"/>
+              <a:t>);</a:t>
+            </a:r>
+          </a:p>
+          <a:p>
+            <a:r>
+              <a:rPr lang="en-US" sz="1000" dirty="0" err="1"/>
+              <a:t>utils.handleEvent</a:t>
+            </a:r>
+            <a:r>
+              <a:rPr lang="en-US" sz="1000" dirty="0"/>
+              <a:t>('test','{}');</a:t>
+            </a:r>
+          </a:p>
+          <a:p>
+            <a:r>
+              <a:rPr lang="en-US" sz="1000" dirty="0" err="1"/>
+              <a:t>response.setResponseText</a:t>
+            </a:r>
+            <a:r>
+              <a:rPr lang="en-US" sz="1000" dirty="0"/>
+              <a:t>('{"</a:t>
+            </a:r>
+            <a:r>
+              <a:rPr lang="en-US" sz="1000" dirty="0" err="1"/>
+              <a:t>value":"This</a:t>
+            </a:r>
+            <a:r>
+              <a:rPr lang="en-US" sz="1000" dirty="0"/>
+              <a:t> is a calculated </a:t>
+            </a:r>
+            <a:r>
+              <a:rPr lang="en-US" sz="1000" dirty="0" err="1"/>
+              <a:t>javascript</a:t>
+            </a:r>
+            <a:r>
+              <a:rPr lang="en-US" sz="1000" dirty="0"/>
+              <a:t> </a:t>
+            </a:r>
+            <a:r>
+              <a:rPr lang="en-US" sz="1000" dirty="0" err="1"/>
+              <a:t>response","date</a:t>
+            </a:r>
+            <a:r>
+              <a:rPr lang="en-US" sz="1000" dirty="0"/>
+              <a:t>":"'+today+'"}');</a:t>
+            </a:r>
+          </a:p>
+          <a:p>
+            <a:r>
+              <a:rPr lang="en-US" sz="1000" dirty="0" err="1"/>
+              <a:t>response.addHeader</a:t>
+            </a:r>
+            <a:r>
+              <a:rPr lang="en-US" sz="1000" dirty="0"/>
+              <a:t>('Content-</a:t>
+            </a:r>
+            <a:r>
+              <a:rPr lang="en-US" sz="1000" dirty="0" err="1"/>
+              <a:t>Type','application</a:t>
+            </a:r>
+            <a:r>
+              <a:rPr lang="en-US" sz="1000" dirty="0"/>
+              <a:t>/json');</a:t>
+            </a:r>
+          </a:p>
+          <a:p>
+            <a:r>
+              <a:rPr lang="en-US" sz="1000" dirty="0" err="1"/>
+              <a:t>response.setStatusCode</a:t>
+            </a:r>
+            <a:r>
+              <a:rPr lang="en-US" sz="1000" dirty="0"/>
+              <a:t>(200);</a:t>
+            </a:r>
+          </a:p>
+          <a:p>
+            <a:r>
+              <a:rPr lang="en-US" sz="1000" dirty="0" err="1"/>
+              <a:t>request.addHeader</a:t>
+            </a:r>
+            <a:r>
+              <a:rPr lang="en-US" sz="1000" dirty="0"/>
+              <a:t>('</a:t>
+            </a:r>
+            <a:r>
+              <a:rPr lang="en-US" sz="1000" dirty="0" err="1"/>
+              <a:t>Host','test.com</a:t>
+            </a:r>
+            <a:r>
+              <a:rPr lang="en-US" sz="1000" dirty="0"/>
+              <a:t>');</a:t>
+            </a:r>
+          </a:p>
+          <a:p>
+            <a:r>
+              <a:rPr lang="en-US" sz="1000" dirty="0"/>
+              <a:t>return false;</a:t>
+            </a:r>
+          </a:p>
+        </p:txBody>
+      </p:sp>
+      <p:sp>
+        <p:nvSpPr>
+          <p:cNvPr id="6" name="Text Placeholder 2">
+            <a:extLst>
+              <a:ext uri="{FF2B5EF4-FFF2-40B4-BE49-F238E27FC236}">
+                <a16:creationId xmlns:a16="http://schemas.microsoft.com/office/drawing/2014/main" id="{A51C8C96-FB73-47E8-8D40-5B9FE3755D64}"/>
+              </a:ext>
+            </a:extLst>
+          </p:cNvPr>
+          <p:cNvSpPr txBox="1">
+            <a:spLocks/>
+          </p:cNvSpPr>
+          <p:nvPr/>
+        </p:nvSpPr>
+        <p:spPr>
+          <a:xfrm>
+            <a:off x="311700" y="4103903"/>
+            <a:ext cx="8520600" cy="669433"/>
+          </a:xfrm>
+          <a:prstGeom prst="rect">
+            <a:avLst/>
+          </a:prstGeom>
+          <a:noFill/>
+          <a:ln>
+            <a:noFill/>
+          </a:ln>
+        </p:spPr>
+        <p:txBody>
+          <a:bodyPr spcFirstLastPara="1" wrap="square" lIns="91425" tIns="91425" rIns="91425" bIns="91425" anchor="t" anchorCtr="0">
+            <a:normAutofit/>
+          </a:bodyPr>
+          <a:lstStyle>
+            <a:defPPr marR="0" lvl="0" algn="l" rtl="0">
+              <a:lnSpc>
+                <a:spcPct val="100000"/>
+              </a:lnSpc>
+              <a:spcBef>
+                <a:spcPts val="0"/>
+              </a:spcBef>
+              <a:spcAft>
+                <a:spcPts val="0"/>
+              </a:spcAft>
+            </a:defPPr>
+            <a:lvl1pPr marL="457200" marR="0" lvl="0" indent="-342900" algn="l" rtl="0">
+              <a:lnSpc>
+                <a:spcPct val="115000"/>
+              </a:lnSpc>
+              <a:spcBef>
+                <a:spcPts val="0"/>
+              </a:spcBef>
+              <a:spcAft>
+                <a:spcPts val="0"/>
+              </a:spcAft>
+              <a:buClr>
+                <a:schemeClr val="dk2"/>
+              </a:buClr>
+              <a:buSzPts val="1800"/>
+              <a:buFont typeface="Arial"/>
+              <a:buChar char="●"/>
+              <a:defRPr sz="1800" b="0" i="0" u="none" strike="noStrike" cap="none">
+                <a:solidFill>
+                  <a:schemeClr val="dk2"/>
+                </a:solidFill>
+                <a:latin typeface="Arial"/>
+                <a:ea typeface="Arial"/>
+                <a:cs typeface="Arial"/>
+                <a:sym typeface="Arial"/>
+              </a:defRPr>
+            </a:lvl1pPr>
+            <a:lvl2pPr marL="914400" marR="0" lvl="1" indent="-317500" algn="l" rtl="0">
+              <a:lnSpc>
+                <a:spcPct val="115000"/>
+              </a:lnSpc>
+              <a:spcBef>
+                <a:spcPts val="0"/>
+              </a:spcBef>
+              <a:spcAft>
+                <a:spcPts val="0"/>
+              </a:spcAft>
+              <a:buClr>
+                <a:schemeClr val="dk2"/>
+              </a:buClr>
+              <a:buSzPts val="1400"/>
+              <a:buFont typeface="Arial"/>
+              <a:buChar char="○"/>
+              <a:defRPr sz="1400" b="0" i="0" u="none" strike="noStrike" cap="none">
+                <a:solidFill>
+                  <a:schemeClr val="dk2"/>
+                </a:solidFill>
+                <a:latin typeface="Arial"/>
+                <a:ea typeface="Arial"/>
+                <a:cs typeface="Arial"/>
+                <a:sym typeface="Arial"/>
+              </a:defRPr>
+            </a:lvl2pPr>
+            <a:lvl3pPr marL="1371600" marR="0" lvl="2" indent="-317500" algn="l" rtl="0">
+              <a:lnSpc>
+                <a:spcPct val="115000"/>
+              </a:lnSpc>
+              <a:spcBef>
+                <a:spcPts val="0"/>
+              </a:spcBef>
+              <a:spcAft>
+                <a:spcPts val="0"/>
+              </a:spcAft>
+              <a:buClr>
+                <a:schemeClr val="dk2"/>
+              </a:buClr>
+              <a:buSzPts val="1400"/>
+              <a:buFont typeface="Arial"/>
+              <a:buChar char="■"/>
+              <a:defRPr sz="1400" b="0" i="0" u="none" strike="noStrike" cap="none">
+                <a:solidFill>
+                  <a:schemeClr val="dk2"/>
+                </a:solidFill>
+                <a:latin typeface="Arial"/>
+                <a:ea typeface="Arial"/>
+                <a:cs typeface="Arial"/>
+                <a:sym typeface="Arial"/>
+              </a:defRPr>
+            </a:lvl3pPr>
+            <a:lvl4pPr marL="1828800" marR="0" lvl="3" indent="-317500" algn="l" rtl="0">
+              <a:lnSpc>
+                <a:spcPct val="115000"/>
+              </a:lnSpc>
+              <a:spcBef>
+                <a:spcPts val="0"/>
+              </a:spcBef>
+              <a:spcAft>
+                <a:spcPts val="0"/>
+              </a:spcAft>
+              <a:buClr>
+                <a:schemeClr val="dk2"/>
+              </a:buClr>
+              <a:buSzPts val="1400"/>
+              <a:buFont typeface="Arial"/>
+              <a:buChar char="●"/>
+              <a:defRPr sz="1400" b="0" i="0" u="none" strike="noStrike" cap="none">
+                <a:solidFill>
+                  <a:schemeClr val="dk2"/>
+                </a:solidFill>
+                <a:latin typeface="Arial"/>
+                <a:ea typeface="Arial"/>
+                <a:cs typeface="Arial"/>
+                <a:sym typeface="Arial"/>
+              </a:defRPr>
+            </a:lvl4pPr>
+            <a:lvl5pPr marL="2286000" marR="0" lvl="4" indent="-317500" algn="l" rtl="0">
+              <a:lnSpc>
+                <a:spcPct val="115000"/>
+              </a:lnSpc>
+              <a:spcBef>
+                <a:spcPts val="0"/>
+              </a:spcBef>
+              <a:spcAft>
+                <a:spcPts val="0"/>
+              </a:spcAft>
+              <a:buClr>
+                <a:schemeClr val="dk2"/>
+              </a:buClr>
+              <a:buSzPts val="1400"/>
+              <a:buFont typeface="Arial"/>
+              <a:buChar char="○"/>
+              <a:defRPr sz="1400" b="0" i="0" u="none" strike="noStrike" cap="none">
+                <a:solidFill>
+                  <a:schemeClr val="dk2"/>
+                </a:solidFill>
+                <a:latin typeface="Arial"/>
+                <a:ea typeface="Arial"/>
+                <a:cs typeface="Arial"/>
+                <a:sym typeface="Arial"/>
+              </a:defRPr>
+            </a:lvl5pPr>
+            <a:lvl6pPr marL="2743200" marR="0" lvl="5" indent="-317500" algn="l" rtl="0">
+              <a:lnSpc>
+                <a:spcPct val="115000"/>
+              </a:lnSpc>
+              <a:spcBef>
+                <a:spcPts val="0"/>
+              </a:spcBef>
+              <a:spcAft>
+                <a:spcPts val="0"/>
+              </a:spcAft>
+              <a:buClr>
+                <a:schemeClr val="dk2"/>
+              </a:buClr>
+              <a:buSzPts val="1400"/>
+              <a:buFont typeface="Arial"/>
+              <a:buChar char="■"/>
+              <a:defRPr sz="1400" b="0" i="0" u="none" strike="noStrike" cap="none">
+                <a:solidFill>
+                  <a:schemeClr val="dk2"/>
+                </a:solidFill>
+                <a:latin typeface="Arial"/>
+                <a:ea typeface="Arial"/>
+                <a:cs typeface="Arial"/>
+                <a:sym typeface="Arial"/>
+              </a:defRPr>
+            </a:lvl6pPr>
+            <a:lvl7pPr marL="3200400" marR="0" lvl="6" indent="-317500" algn="l" rtl="0">
+              <a:lnSpc>
+                <a:spcPct val="115000"/>
+              </a:lnSpc>
+              <a:spcBef>
+                <a:spcPts val="0"/>
+              </a:spcBef>
+              <a:spcAft>
+                <a:spcPts val="0"/>
+              </a:spcAft>
+              <a:buClr>
+                <a:schemeClr val="dk2"/>
+              </a:buClr>
+              <a:buSzPts val="1400"/>
+              <a:buFont typeface="Arial"/>
+              <a:buChar char="●"/>
+              <a:defRPr sz="1400" b="0" i="0" u="none" strike="noStrike" cap="none">
+                <a:solidFill>
+                  <a:schemeClr val="dk2"/>
+                </a:solidFill>
+                <a:latin typeface="Arial"/>
+                <a:ea typeface="Arial"/>
+                <a:cs typeface="Arial"/>
+                <a:sym typeface="Arial"/>
+              </a:defRPr>
+            </a:lvl7pPr>
+            <a:lvl8pPr marL="3657600" marR="0" lvl="7" indent="-317500" algn="l" rtl="0">
+              <a:lnSpc>
+                <a:spcPct val="115000"/>
+              </a:lnSpc>
+              <a:spcBef>
+                <a:spcPts val="0"/>
+              </a:spcBef>
+              <a:spcAft>
+                <a:spcPts val="0"/>
+              </a:spcAft>
+              <a:buClr>
+                <a:schemeClr val="dk2"/>
+              </a:buClr>
+              <a:buSzPts val="1400"/>
+              <a:buFont typeface="Arial"/>
+              <a:buChar char="○"/>
+              <a:defRPr sz="1400" b="0" i="0" u="none" strike="noStrike" cap="none">
+                <a:solidFill>
+                  <a:schemeClr val="dk2"/>
+                </a:solidFill>
+                <a:latin typeface="Arial"/>
+                <a:ea typeface="Arial"/>
+                <a:cs typeface="Arial"/>
+                <a:sym typeface="Arial"/>
+              </a:defRPr>
+            </a:lvl8pPr>
+            <a:lvl9pPr marL="4114800" marR="0" lvl="8" indent="-317500" algn="l" rtl="0">
+              <a:lnSpc>
+                <a:spcPct val="115000"/>
+              </a:lnSpc>
+              <a:spcBef>
+                <a:spcPts val="0"/>
+              </a:spcBef>
+              <a:spcAft>
+                <a:spcPts val="0"/>
+              </a:spcAft>
+              <a:buClr>
+                <a:schemeClr val="dk2"/>
+              </a:buClr>
+              <a:buSzPts val="1400"/>
+              <a:buFont typeface="Arial"/>
+              <a:buChar char="■"/>
+              <a:defRPr sz="1400" b="0" i="0" u="none" strike="noStrike" cap="none">
+                <a:solidFill>
+                  <a:schemeClr val="dk2"/>
+                </a:solidFill>
+                <a:latin typeface="Arial"/>
+                <a:ea typeface="Arial"/>
+                <a:cs typeface="Arial"/>
+                <a:sym typeface="Arial"/>
+              </a:defRPr>
+            </a:lvl9pPr>
+          </a:lstStyle>
+          <a:p>
+            <a:r>
+              <a:rPr lang="en-US" dirty="0"/>
+              <a:t>And you’ll have a fancy response going on </a:t>
+            </a:r>
+            <a:r>
+              <a:rPr lang="en-US" dirty="0">
+                <a:hlinkClick r:id="rId3"/>
+              </a:rPr>
+              <a:t>http://www.local.test/test</a:t>
+            </a:r>
+            <a:endParaRPr lang="en-US" dirty="0"/>
+          </a:p>
+          <a:p>
+            <a:endParaRPr lang="en-US" dirty="0"/>
+          </a:p>
+        </p:txBody>
+      </p:sp>
+    </p:spTree>
+    <p:extLst>
+      <p:ext uri="{BB962C8B-B14F-4D97-AF65-F5344CB8AC3E}">
+        <p14:creationId xmlns:p14="http://schemas.microsoft.com/office/powerpoint/2010/main" val="261105692"/>
+      </p:ext>
+    </p:extLst>
+  </p:cSld>
+  <p:clrMapOvr>
+    <a:masterClrMapping/>
+  </p:clrMapOvr>
+</p:sld>
+</file>
+
+<file path=ppt/slides/slide19.xml><?xml version="1.0" encoding="utf-8"?>
 <p:sld xmlns:a="http://schemas.openxmlformats.org/drawingml/2006/main" xmlns:r="http://schemas.openxmlformats.org/officeDocument/2006/relationships" xmlns:p="http://schemas.openxmlformats.org/presentationml/2006/main">
   <p:cSld>
     <p:spTree>
@@ -8082,6 +8652,12 @@
             <a:r>
               <a:rPr lang="en-US" dirty="0"/>
               <a:t>Inspection</a:t>
+            </a:r>
+          </a:p>
+          <a:p>
+            <a:r>
+              <a:rPr lang="en-US" dirty="0"/>
+              <a:t>Zero configuration on tested applications</a:t>
             </a:r>
           </a:p>
         </p:txBody>
@@ -8181,15 +8757,7 @@
           <a:p>
             <a:r>
               <a:rPr lang="en-US" dirty="0"/>
-              <a:t>Java and </a:t>
-            </a:r>
-            <a:r>
-              <a:rPr lang="en-US" dirty="0" err="1"/>
-              <a:t>Javascript</a:t>
-            </a:r>
-            <a:r>
-              <a:rPr lang="en-US" dirty="0"/>
-              <a:t> dynamic interceptors</a:t>
+              <a:t>Java and JavaScript dynamic interceptors</a:t>
             </a:r>
           </a:p>
           <a:p>
@@ -8285,7 +8853,7 @@
           <a:p>
             <a:r>
               <a:rPr lang="en-US" dirty="0"/>
-              <a:t>Technologies</a:t>
+              <a:t>What tech stack?</a:t>
             </a:r>
           </a:p>
         </p:txBody>
@@ -8325,7 +8893,7 @@
           <a:p>
             <a:r>
               <a:rPr lang="en-US" dirty="0"/>
-              <a:t>(No)Tomcat</a:t>
+              <a:t>Tomcat-less</a:t>
             </a:r>
           </a:p>
           <a:p>
@@ -8355,11 +8923,11 @@
           <a:p>
             <a:r>
               <a:rPr lang="en-US" dirty="0" err="1"/>
-              <a:t>Jquery</a:t>
-            </a:r>
-            <a:r>
-              <a:rPr lang="en-US" dirty="0"/>
-              <a:t> UI (no need for </a:t>
+              <a:t>JQuery</a:t>
+            </a:r>
+            <a:r>
+              <a:rPr lang="en-US" dirty="0"/>
+              <a:t>-based UI (no need for </a:t>
             </a:r>
             <a:r>
               <a:rPr lang="en-US" dirty="0" err="1"/>
@@ -9128,7 +9696,7 @@
           <a:p>
             <a:r>
               <a:rPr lang="en-US" dirty="0"/>
-              <a:t>Edit the hosts file</a:t>
+              <a:t>Edit the “hosts” file</a:t>
             </a:r>
           </a:p>
           <a:p>

--- a/docs/HAM.pptx
+++ b/docs/HAM.pptx
@@ -17,15 +17,15 @@
     <p:sldId id="277" r:id="rId8"/>
     <p:sldId id="278" r:id="rId9"/>
     <p:sldId id="279" r:id="rId10"/>
-    <p:sldId id="281" r:id="rId11"/>
-    <p:sldId id="284" r:id="rId12"/>
-    <p:sldId id="282" r:id="rId13"/>
-    <p:sldId id="283" r:id="rId14"/>
-    <p:sldId id="285" r:id="rId15"/>
-    <p:sldId id="286" r:id="rId16"/>
-    <p:sldId id="287" r:id="rId17"/>
-    <p:sldId id="288" r:id="rId18"/>
-    <p:sldId id="289" r:id="rId19"/>
+    <p:sldId id="289" r:id="rId11"/>
+    <p:sldId id="281" r:id="rId12"/>
+    <p:sldId id="284" r:id="rId13"/>
+    <p:sldId id="282" r:id="rId14"/>
+    <p:sldId id="283" r:id="rId15"/>
+    <p:sldId id="285" r:id="rId16"/>
+    <p:sldId id="286" r:id="rId17"/>
+    <p:sldId id="287" r:id="rId18"/>
+    <p:sldId id="288" r:id="rId19"/>
     <p:sldId id="271" r:id="rId20"/>
   </p:sldIdLst>
   <p:sldSz cx="9144000" cy="5143500" type="screen16x9"/>
@@ -5835,7 +5835,7 @@
           <p:cNvPr id="2" name="Title 1">
             <a:extLst>
               <a:ext uri="{FF2B5EF4-FFF2-40B4-BE49-F238E27FC236}">
-                <a16:creationId xmlns:a16="http://schemas.microsoft.com/office/drawing/2014/main" id="{6506F564-961D-4CA7-B499-CA1FFBF2DBBE}"/>
+                <a16:creationId xmlns:a16="http://schemas.microsoft.com/office/drawing/2014/main" id="{FF144CF6-BFA0-4F89-9E0D-4CE9A82FE075}"/>
               </a:ext>
             </a:extLst>
           </p:cNvPr>
@@ -5855,7 +5855,7 @@
           <a:p>
             <a:r>
               <a:rPr lang="en-US" dirty="0"/>
-              <a:t>UI Test - Success</a:t>
+              <a:t>Mocking</a:t>
             </a:r>
           </a:p>
         </p:txBody>
@@ -5865,7 +5865,7 @@
           <p:cNvPr id="3" name="Text Placeholder 2">
             <a:extLst>
               <a:ext uri="{FF2B5EF4-FFF2-40B4-BE49-F238E27FC236}">
-                <a16:creationId xmlns:a16="http://schemas.microsoft.com/office/drawing/2014/main" id="{9B748956-EBFB-4CC8-97DD-8432797D0586}"/>
+                <a16:creationId xmlns:a16="http://schemas.microsoft.com/office/drawing/2014/main" id="{4B45FBFF-45D8-4BF8-95EB-2F36D3F69DF4}"/>
               </a:ext>
             </a:extLst>
           </p:cNvPr>
@@ -5876,58 +5876,531 @@
             <p:ph type="body" idx="1"/>
           </p:nvPr>
         </p:nvSpPr>
-        <p:spPr/>
+        <p:spPr>
+          <a:xfrm>
+            <a:off x="311700" y="1152475"/>
+            <a:ext cx="8520600" cy="1953034"/>
+          </a:xfrm>
+        </p:spPr>
         <p:txBody>
-          <a:bodyPr/>
+          <a:bodyPr>
+            <a:normAutofit lnSpcReduction="10000"/>
+          </a:bodyPr>
           <a:lstStyle/>
           <a:p>
             <a:r>
               <a:rPr lang="en-US" dirty="0"/>
-              <a:t>Delete any previous script, restart, and upload the 00Master.json</a:t>
-            </a:r>
-          </a:p>
-          <a:p>
-            <a:r>
-              <a:rPr lang="en-US" dirty="0"/>
-              <a:t>Search for all the “www” and “be” host calls, remove them</a:t>
-            </a:r>
-          </a:p>
-          <a:p>
-            <a:r>
-              <a:rPr lang="en-US" dirty="0"/>
-              <a:t>Save as 01Web.json</a:t>
-            </a:r>
-          </a:p>
-          <a:p>
-            <a:r>
-              <a:rPr lang="en-US" dirty="0"/>
-              <a:t>Stop the be and the gateway</a:t>
-            </a:r>
-          </a:p>
-          <a:p>
-            <a:r>
-              <a:rPr lang="en-US" dirty="0"/>
-              <a:t>Wait 60 seconds to update the proxy status</a:t>
-            </a:r>
-          </a:p>
-          <a:p>
-            <a:r>
-              <a:rPr lang="en-US" dirty="0"/>
-              <a:t>Start replaying</a:t>
-            </a:r>
-          </a:p>
-          <a:p>
-            <a:r>
-              <a:rPr lang="en-US" dirty="0"/>
-              <a:t>Follow the operations you did while recording</a:t>
-            </a:r>
+              <a:t>Enter the JS Filters plugin</a:t>
+            </a:r>
+          </a:p>
+          <a:p>
+            <a:r>
+              <a:rPr lang="en-US" dirty="0"/>
+              <a:t>Add a new script</a:t>
+            </a:r>
+          </a:p>
+          <a:p>
+            <a:pPr lvl="1"/>
+            <a:r>
+              <a:rPr lang="en-US" dirty="0"/>
+              <a:t>Method: GET</a:t>
+            </a:r>
+          </a:p>
+          <a:p>
+            <a:pPr lvl="1"/>
+            <a:r>
+              <a:rPr lang="en-US" dirty="0"/>
+              <a:t>Host Address: </a:t>
+            </a:r>
+            <a:r>
+              <a:rPr lang="en-US" dirty="0">
+                <a:hlinkClick r:id="rId2"/>
+              </a:rPr>
+              <a:t>www.local.test</a:t>
+            </a:r>
+            <a:endParaRPr lang="en-US" dirty="0"/>
+          </a:p>
+          <a:p>
+            <a:pPr lvl="1"/>
+            <a:r>
+              <a:rPr lang="en-US" dirty="0"/>
+              <a:t>Path Address: /test</a:t>
+            </a:r>
+          </a:p>
+          <a:p>
+            <a:pPr lvl="1"/>
+            <a:r>
+              <a:rPr lang="en-US" dirty="0"/>
+              <a:t>Phase: PRE_RENDER</a:t>
+            </a:r>
+          </a:p>
+          <a:p>
+            <a:pPr lvl="1"/>
+            <a:r>
+              <a:rPr lang="en-US" dirty="0"/>
+              <a:t>Blocking: true</a:t>
+            </a:r>
+          </a:p>
+          <a:p>
+            <a:endParaRPr lang="en-US" dirty="0"/>
+          </a:p>
+        </p:txBody>
+      </p:sp>
+      <p:sp>
+        <p:nvSpPr>
+          <p:cNvPr id="5" name="TextBox 4">
+            <a:extLst>
+              <a:ext uri="{FF2B5EF4-FFF2-40B4-BE49-F238E27FC236}">
+                <a16:creationId xmlns:a16="http://schemas.microsoft.com/office/drawing/2014/main" id="{7D40B076-B033-4F85-8727-2E9703BAAF58}"/>
+              </a:ext>
+            </a:extLst>
+          </p:cNvPr>
+          <p:cNvSpPr txBox="1"/>
+          <p:nvPr/>
+        </p:nvSpPr>
+        <p:spPr>
+          <a:xfrm>
+            <a:off x="422693" y="2934352"/>
+            <a:ext cx="6396527" cy="1169551"/>
+          </a:xfrm>
+          <a:prstGeom prst="rect">
+            <a:avLst/>
+          </a:prstGeom>
+          <a:noFill/>
+        </p:spPr>
+        <p:txBody>
+          <a:bodyPr wrap="square" rtlCol="0">
+            <a:spAutoFit/>
+          </a:bodyPr>
+          <a:lstStyle/>
+          <a:p>
+            <a:r>
+              <a:rPr lang="en-US" sz="1000" dirty="0"/>
+              <a:t>var today = </a:t>
+            </a:r>
+            <a:r>
+              <a:rPr lang="en-US" sz="1000" dirty="0" err="1"/>
+              <a:t>getCurrentDate</a:t>
+            </a:r>
+            <a:r>
+              <a:rPr lang="en-US" sz="1000" dirty="0"/>
+              <a:t>()+</a:t>
+            </a:r>
+            <a:r>
+              <a:rPr lang="en-US" sz="1000" dirty="0" err="1"/>
+              <a:t>utils.loadFile</a:t>
+            </a:r>
+            <a:r>
+              <a:rPr lang="en-US" sz="1000" dirty="0"/>
+              <a:t>('</a:t>
+            </a:r>
+            <a:r>
+              <a:rPr lang="en-US" sz="1000" dirty="0" err="1"/>
+              <a:t>test.txt',false</a:t>
+            </a:r>
+            <a:r>
+              <a:rPr lang="en-US" sz="1000" dirty="0"/>
+              <a:t>);</a:t>
+            </a:r>
+          </a:p>
+          <a:p>
+            <a:r>
+              <a:rPr lang="en-US" sz="1000" dirty="0" err="1"/>
+              <a:t>utils.handleEvent</a:t>
+            </a:r>
+            <a:r>
+              <a:rPr lang="en-US" sz="1000" dirty="0"/>
+              <a:t>('test','{}');</a:t>
+            </a:r>
+          </a:p>
+          <a:p>
+            <a:r>
+              <a:rPr lang="en-US" sz="1000" dirty="0" err="1"/>
+              <a:t>response.setResponseText</a:t>
+            </a:r>
+            <a:r>
+              <a:rPr lang="en-US" sz="1000" dirty="0"/>
+              <a:t>('{"</a:t>
+            </a:r>
+            <a:r>
+              <a:rPr lang="en-US" sz="1000" dirty="0" err="1"/>
+              <a:t>value":"This</a:t>
+            </a:r>
+            <a:r>
+              <a:rPr lang="en-US" sz="1000" dirty="0"/>
+              <a:t> is a calculated </a:t>
+            </a:r>
+            <a:r>
+              <a:rPr lang="en-US" sz="1000" dirty="0" err="1"/>
+              <a:t>javascript</a:t>
+            </a:r>
+            <a:r>
+              <a:rPr lang="en-US" sz="1000" dirty="0"/>
+              <a:t> </a:t>
+            </a:r>
+            <a:r>
+              <a:rPr lang="en-US" sz="1000" dirty="0" err="1"/>
+              <a:t>response","date</a:t>
+            </a:r>
+            <a:r>
+              <a:rPr lang="en-US" sz="1000" dirty="0"/>
+              <a:t>":"'+today+'"}');</a:t>
+            </a:r>
+          </a:p>
+          <a:p>
+            <a:r>
+              <a:rPr lang="en-US" sz="1000" dirty="0" err="1"/>
+              <a:t>response.addHeader</a:t>
+            </a:r>
+            <a:r>
+              <a:rPr lang="en-US" sz="1000" dirty="0"/>
+              <a:t>('Content-</a:t>
+            </a:r>
+            <a:r>
+              <a:rPr lang="en-US" sz="1000" dirty="0" err="1"/>
+              <a:t>Type','application</a:t>
+            </a:r>
+            <a:r>
+              <a:rPr lang="en-US" sz="1000" dirty="0"/>
+              <a:t>/json');</a:t>
+            </a:r>
+          </a:p>
+          <a:p>
+            <a:r>
+              <a:rPr lang="en-US" sz="1000" dirty="0" err="1"/>
+              <a:t>response.setStatusCode</a:t>
+            </a:r>
+            <a:r>
+              <a:rPr lang="en-US" sz="1000" dirty="0"/>
+              <a:t>(200);</a:t>
+            </a:r>
+          </a:p>
+          <a:p>
+            <a:r>
+              <a:rPr lang="en-US" sz="1000" dirty="0" err="1"/>
+              <a:t>request.addHeader</a:t>
+            </a:r>
+            <a:r>
+              <a:rPr lang="en-US" sz="1000" dirty="0"/>
+              <a:t>('</a:t>
+            </a:r>
+            <a:r>
+              <a:rPr lang="en-US" sz="1000" dirty="0" err="1"/>
+              <a:t>Host','test.com</a:t>
+            </a:r>
+            <a:r>
+              <a:rPr lang="en-US" sz="1000" dirty="0"/>
+              <a:t>');</a:t>
+            </a:r>
+          </a:p>
+          <a:p>
+            <a:r>
+              <a:rPr lang="en-US" sz="1000" dirty="0"/>
+              <a:t>return false;</a:t>
+            </a:r>
+          </a:p>
+        </p:txBody>
+      </p:sp>
+      <p:sp>
+        <p:nvSpPr>
+          <p:cNvPr id="6" name="Text Placeholder 2">
+            <a:extLst>
+              <a:ext uri="{FF2B5EF4-FFF2-40B4-BE49-F238E27FC236}">
+                <a16:creationId xmlns:a16="http://schemas.microsoft.com/office/drawing/2014/main" id="{A51C8C96-FB73-47E8-8D40-5B9FE3755D64}"/>
+              </a:ext>
+            </a:extLst>
+          </p:cNvPr>
+          <p:cNvSpPr txBox="1">
+            <a:spLocks/>
+          </p:cNvSpPr>
+          <p:nvPr/>
+        </p:nvSpPr>
+        <p:spPr>
+          <a:xfrm>
+            <a:off x="311700" y="4103903"/>
+            <a:ext cx="8520600" cy="669433"/>
+          </a:xfrm>
+          <a:prstGeom prst="rect">
+            <a:avLst/>
+          </a:prstGeom>
+          <a:noFill/>
+          <a:ln>
+            <a:noFill/>
+          </a:ln>
+        </p:spPr>
+        <p:txBody>
+          <a:bodyPr spcFirstLastPara="1" wrap="square" lIns="91425" tIns="91425" rIns="91425" bIns="91425" anchor="t" anchorCtr="0">
+            <a:normAutofit/>
+          </a:bodyPr>
+          <a:lstStyle>
+            <a:defPPr marR="0" lvl="0" algn="l" rtl="0">
+              <a:lnSpc>
+                <a:spcPct val="100000"/>
+              </a:lnSpc>
+              <a:spcBef>
+                <a:spcPts val="0"/>
+              </a:spcBef>
+              <a:spcAft>
+                <a:spcPts val="0"/>
+              </a:spcAft>
+            </a:defPPr>
+            <a:lvl1pPr marL="457200" marR="0" lvl="0" indent="-342900" algn="l" rtl="0">
+              <a:lnSpc>
+                <a:spcPct val="115000"/>
+              </a:lnSpc>
+              <a:spcBef>
+                <a:spcPts val="0"/>
+              </a:spcBef>
+              <a:spcAft>
+                <a:spcPts val="0"/>
+              </a:spcAft>
+              <a:buClr>
+                <a:schemeClr val="dk2"/>
+              </a:buClr>
+              <a:buSzPts val="1800"/>
+              <a:buFont typeface="Arial"/>
+              <a:buChar char="●"/>
+              <a:defRPr sz="1800" b="0" i="0" u="none" strike="noStrike" cap="none">
+                <a:solidFill>
+                  <a:schemeClr val="dk2"/>
+                </a:solidFill>
+                <a:latin typeface="Arial"/>
+                <a:ea typeface="Arial"/>
+                <a:cs typeface="Arial"/>
+                <a:sym typeface="Arial"/>
+              </a:defRPr>
+            </a:lvl1pPr>
+            <a:lvl2pPr marL="914400" marR="0" lvl="1" indent="-317500" algn="l" rtl="0">
+              <a:lnSpc>
+                <a:spcPct val="115000"/>
+              </a:lnSpc>
+              <a:spcBef>
+                <a:spcPts val="0"/>
+              </a:spcBef>
+              <a:spcAft>
+                <a:spcPts val="0"/>
+              </a:spcAft>
+              <a:buClr>
+                <a:schemeClr val="dk2"/>
+              </a:buClr>
+              <a:buSzPts val="1400"/>
+              <a:buFont typeface="Arial"/>
+              <a:buChar char="○"/>
+              <a:defRPr sz="1400" b="0" i="0" u="none" strike="noStrike" cap="none">
+                <a:solidFill>
+                  <a:schemeClr val="dk2"/>
+                </a:solidFill>
+                <a:latin typeface="Arial"/>
+                <a:ea typeface="Arial"/>
+                <a:cs typeface="Arial"/>
+                <a:sym typeface="Arial"/>
+              </a:defRPr>
+            </a:lvl2pPr>
+            <a:lvl3pPr marL="1371600" marR="0" lvl="2" indent="-317500" algn="l" rtl="0">
+              <a:lnSpc>
+                <a:spcPct val="115000"/>
+              </a:lnSpc>
+              <a:spcBef>
+                <a:spcPts val="0"/>
+              </a:spcBef>
+              <a:spcAft>
+                <a:spcPts val="0"/>
+              </a:spcAft>
+              <a:buClr>
+                <a:schemeClr val="dk2"/>
+              </a:buClr>
+              <a:buSzPts val="1400"/>
+              <a:buFont typeface="Arial"/>
+              <a:buChar char="■"/>
+              <a:defRPr sz="1400" b="0" i="0" u="none" strike="noStrike" cap="none">
+                <a:solidFill>
+                  <a:schemeClr val="dk2"/>
+                </a:solidFill>
+                <a:latin typeface="Arial"/>
+                <a:ea typeface="Arial"/>
+                <a:cs typeface="Arial"/>
+                <a:sym typeface="Arial"/>
+              </a:defRPr>
+            </a:lvl3pPr>
+            <a:lvl4pPr marL="1828800" marR="0" lvl="3" indent="-317500" algn="l" rtl="0">
+              <a:lnSpc>
+                <a:spcPct val="115000"/>
+              </a:lnSpc>
+              <a:spcBef>
+                <a:spcPts val="0"/>
+              </a:spcBef>
+              <a:spcAft>
+                <a:spcPts val="0"/>
+              </a:spcAft>
+              <a:buClr>
+                <a:schemeClr val="dk2"/>
+              </a:buClr>
+              <a:buSzPts val="1400"/>
+              <a:buFont typeface="Arial"/>
+              <a:buChar char="●"/>
+              <a:defRPr sz="1400" b="0" i="0" u="none" strike="noStrike" cap="none">
+                <a:solidFill>
+                  <a:schemeClr val="dk2"/>
+                </a:solidFill>
+                <a:latin typeface="Arial"/>
+                <a:ea typeface="Arial"/>
+                <a:cs typeface="Arial"/>
+                <a:sym typeface="Arial"/>
+              </a:defRPr>
+            </a:lvl4pPr>
+            <a:lvl5pPr marL="2286000" marR="0" lvl="4" indent="-317500" algn="l" rtl="0">
+              <a:lnSpc>
+                <a:spcPct val="115000"/>
+              </a:lnSpc>
+              <a:spcBef>
+                <a:spcPts val="0"/>
+              </a:spcBef>
+              <a:spcAft>
+                <a:spcPts val="0"/>
+              </a:spcAft>
+              <a:buClr>
+                <a:schemeClr val="dk2"/>
+              </a:buClr>
+              <a:buSzPts val="1400"/>
+              <a:buFont typeface="Arial"/>
+              <a:buChar char="○"/>
+              <a:defRPr sz="1400" b="0" i="0" u="none" strike="noStrike" cap="none">
+                <a:solidFill>
+                  <a:schemeClr val="dk2"/>
+                </a:solidFill>
+                <a:latin typeface="Arial"/>
+                <a:ea typeface="Arial"/>
+                <a:cs typeface="Arial"/>
+                <a:sym typeface="Arial"/>
+              </a:defRPr>
+            </a:lvl5pPr>
+            <a:lvl6pPr marL="2743200" marR="0" lvl="5" indent="-317500" algn="l" rtl="0">
+              <a:lnSpc>
+                <a:spcPct val="115000"/>
+              </a:lnSpc>
+              <a:spcBef>
+                <a:spcPts val="0"/>
+              </a:spcBef>
+              <a:spcAft>
+                <a:spcPts val="0"/>
+              </a:spcAft>
+              <a:buClr>
+                <a:schemeClr val="dk2"/>
+              </a:buClr>
+              <a:buSzPts val="1400"/>
+              <a:buFont typeface="Arial"/>
+              <a:buChar char="■"/>
+              <a:defRPr sz="1400" b="0" i="0" u="none" strike="noStrike" cap="none">
+                <a:solidFill>
+                  <a:schemeClr val="dk2"/>
+                </a:solidFill>
+                <a:latin typeface="Arial"/>
+                <a:ea typeface="Arial"/>
+                <a:cs typeface="Arial"/>
+                <a:sym typeface="Arial"/>
+              </a:defRPr>
+            </a:lvl6pPr>
+            <a:lvl7pPr marL="3200400" marR="0" lvl="6" indent="-317500" algn="l" rtl="0">
+              <a:lnSpc>
+                <a:spcPct val="115000"/>
+              </a:lnSpc>
+              <a:spcBef>
+                <a:spcPts val="0"/>
+              </a:spcBef>
+              <a:spcAft>
+                <a:spcPts val="0"/>
+              </a:spcAft>
+              <a:buClr>
+                <a:schemeClr val="dk2"/>
+              </a:buClr>
+              <a:buSzPts val="1400"/>
+              <a:buFont typeface="Arial"/>
+              <a:buChar char="●"/>
+              <a:defRPr sz="1400" b="0" i="0" u="none" strike="noStrike" cap="none">
+                <a:solidFill>
+                  <a:schemeClr val="dk2"/>
+                </a:solidFill>
+                <a:latin typeface="Arial"/>
+                <a:ea typeface="Arial"/>
+                <a:cs typeface="Arial"/>
+                <a:sym typeface="Arial"/>
+              </a:defRPr>
+            </a:lvl7pPr>
+            <a:lvl8pPr marL="3657600" marR="0" lvl="7" indent="-317500" algn="l" rtl="0">
+              <a:lnSpc>
+                <a:spcPct val="115000"/>
+              </a:lnSpc>
+              <a:spcBef>
+                <a:spcPts val="0"/>
+              </a:spcBef>
+              <a:spcAft>
+                <a:spcPts val="0"/>
+              </a:spcAft>
+              <a:buClr>
+                <a:schemeClr val="dk2"/>
+              </a:buClr>
+              <a:buSzPts val="1400"/>
+              <a:buFont typeface="Arial"/>
+              <a:buChar char="○"/>
+              <a:defRPr sz="1400" b="0" i="0" u="none" strike="noStrike" cap="none">
+                <a:solidFill>
+                  <a:schemeClr val="dk2"/>
+                </a:solidFill>
+                <a:latin typeface="Arial"/>
+                <a:ea typeface="Arial"/>
+                <a:cs typeface="Arial"/>
+                <a:sym typeface="Arial"/>
+              </a:defRPr>
+            </a:lvl8pPr>
+            <a:lvl9pPr marL="4114800" marR="0" lvl="8" indent="-317500" algn="l" rtl="0">
+              <a:lnSpc>
+                <a:spcPct val="115000"/>
+              </a:lnSpc>
+              <a:spcBef>
+                <a:spcPts val="0"/>
+              </a:spcBef>
+              <a:spcAft>
+                <a:spcPts val="0"/>
+              </a:spcAft>
+              <a:buClr>
+                <a:schemeClr val="dk2"/>
+              </a:buClr>
+              <a:buSzPts val="1400"/>
+              <a:buFont typeface="Arial"/>
+              <a:buChar char="■"/>
+              <a:defRPr sz="1400" b="0" i="0" u="none" strike="noStrike" cap="none">
+                <a:solidFill>
+                  <a:schemeClr val="dk2"/>
+                </a:solidFill>
+                <a:latin typeface="Arial"/>
+                <a:ea typeface="Arial"/>
+                <a:cs typeface="Arial"/>
+                <a:sym typeface="Arial"/>
+              </a:defRPr>
+            </a:lvl9pPr>
+          </a:lstStyle>
+          <a:p>
+            <a:r>
+              <a:rPr lang="en-US" dirty="0"/>
+              <a:t>And you’ll have a fancy response going on </a:t>
+            </a:r>
+            <a:r>
+              <a:rPr lang="en-US" dirty="0">
+                <a:hlinkClick r:id="rId3"/>
+              </a:rPr>
+              <a:t>http://www.local.test/test</a:t>
+            </a:r>
+            <a:endParaRPr lang="en-US" dirty="0"/>
+          </a:p>
+          <a:p>
+            <a:endParaRPr lang="en-US" dirty="0"/>
           </a:p>
         </p:txBody>
       </p:sp>
     </p:spTree>
     <p:extLst>
       <p:ext uri="{BB962C8B-B14F-4D97-AF65-F5344CB8AC3E}">
-        <p14:creationId xmlns:p14="http://schemas.microsoft.com/office/powerpoint/2010/main" val="442220598"/>
+        <p14:creationId xmlns:p14="http://schemas.microsoft.com/office/powerpoint/2010/main" val="261105692"/>
       </p:ext>
     </p:extLst>
   </p:cSld>
@@ -5979,7 +6452,7 @@
           <a:p>
             <a:r>
               <a:rPr lang="en-US" dirty="0"/>
-              <a:t>UI Test - Fail</a:t>
+              <a:t>UI Test - Success</a:t>
             </a:r>
           </a:p>
         </p:txBody>
@@ -6007,13 +6480,19 @@
           <a:p>
             <a:r>
               <a:rPr lang="en-US" dirty="0"/>
-              <a:t>Delete any previous script, restart, and upload the 01Web.json</a:t>
-            </a:r>
-          </a:p>
-          <a:p>
-            <a:r>
-              <a:rPr lang="en-US" dirty="0"/>
-              <a:t>Edit the first call to gateway/api/v1/employees and set the response body as “fail” </a:t>
+              <a:t>Delete any previous script, restart, and upload the 00Master.json</a:t>
+            </a:r>
+          </a:p>
+          <a:p>
+            <a:r>
+              <a:rPr lang="en-US" dirty="0"/>
+              <a:t>Search for all the “www” and “be” host calls, remove them</a:t>
+            </a:r>
+          </a:p>
+          <a:p>
+            <a:r>
+              <a:rPr lang="en-US" dirty="0"/>
+              <a:t>Save as 01Web.json</a:t>
             </a:r>
           </a:p>
           <a:p>
@@ -6038,12 +6517,6 @@
             <a:r>
               <a:rPr lang="en-US" dirty="0"/>
               <a:t>Follow the operations you did while recording</a:t>
-            </a:r>
-          </a:p>
-          <a:p>
-            <a:r>
-              <a:rPr lang="en-US" dirty="0"/>
-              <a:t>Have fun with the exception!</a:t>
             </a:r>
           </a:p>
         </p:txBody>
@@ -6051,7 +6524,7 @@
     </p:spTree>
     <p:extLst>
       <p:ext uri="{BB962C8B-B14F-4D97-AF65-F5344CB8AC3E}">
-        <p14:creationId xmlns:p14="http://schemas.microsoft.com/office/powerpoint/2010/main" val="2988651207"/>
+        <p14:creationId xmlns:p14="http://schemas.microsoft.com/office/powerpoint/2010/main" val="442220598"/>
       </p:ext>
     </p:extLst>
   </p:cSld>
@@ -6083,7 +6556,7 @@
           <p:cNvPr id="2" name="Title 1">
             <a:extLst>
               <a:ext uri="{FF2B5EF4-FFF2-40B4-BE49-F238E27FC236}">
-                <a16:creationId xmlns:a16="http://schemas.microsoft.com/office/drawing/2014/main" id="{FF144CF6-BFA0-4F89-9E0D-4CE9A82FE075}"/>
+                <a16:creationId xmlns:a16="http://schemas.microsoft.com/office/drawing/2014/main" id="{6506F564-961D-4CA7-B499-CA1FFBF2DBBE}"/>
               </a:ext>
             </a:extLst>
           </p:cNvPr>
@@ -6103,7 +6576,7 @@
           <a:p>
             <a:r>
               <a:rPr lang="en-US" dirty="0"/>
-              <a:t>Null Infrastructure test - Success</a:t>
+              <a:t>UI Test - Fail</a:t>
             </a:r>
           </a:p>
         </p:txBody>
@@ -6113,7 +6586,7 @@
           <p:cNvPr id="3" name="Text Placeholder 2">
             <a:extLst>
               <a:ext uri="{FF2B5EF4-FFF2-40B4-BE49-F238E27FC236}">
-                <a16:creationId xmlns:a16="http://schemas.microsoft.com/office/drawing/2014/main" id="{4B45FBFF-45D8-4BF8-95EB-2F36D3F69DF4}"/>
+                <a16:creationId xmlns:a16="http://schemas.microsoft.com/office/drawing/2014/main" id="{9B748956-EBFB-4CC8-97DD-8432797D0586}"/>
               </a:ext>
             </a:extLst>
           </p:cNvPr>
@@ -6126,66 +6599,24 @@
         </p:nvSpPr>
         <p:spPr/>
         <p:txBody>
-          <a:bodyPr>
-            <a:normAutofit lnSpcReduction="10000"/>
-          </a:bodyPr>
+          <a:bodyPr/>
           <a:lstStyle/>
           <a:p>
             <a:r>
               <a:rPr lang="en-US" dirty="0"/>
-              <a:t>Delete any previous script, restart, and upload the 00Master.json</a:t>
-            </a:r>
-          </a:p>
-          <a:p>
-            <a:r>
-              <a:rPr lang="en-US" dirty="0"/>
-              <a:t>Search for all the “www” calls, remove them</a:t>
-            </a:r>
-          </a:p>
-          <a:p>
-            <a:r>
-              <a:rPr lang="en-US" dirty="0"/>
-              <a:t>On the Script tab select all the “gateway” calls and set them as Stimulat</a:t>
-            </a:r>
-            <a:r>
-              <a:rPr lang="en-US" u="sng" dirty="0"/>
-              <a:t>or</a:t>
-            </a:r>
-          </a:p>
-          <a:p>
-            <a:r>
-              <a:rPr lang="en-US" dirty="0"/>
-              <a:t>On the Full tab select all the “be” calls and set them as Stimulat</a:t>
-            </a:r>
-            <a:r>
-              <a:rPr lang="en-US" u="sng" dirty="0"/>
-              <a:t>ed</a:t>
-            </a:r>
-          </a:p>
-          <a:p>
-            <a:pPr lvl="1"/>
-            <a:r>
-              <a:rPr lang="en-US" dirty="0"/>
-              <a:t>Stimulators will be called</a:t>
-            </a:r>
-          </a:p>
-          <a:p>
-            <a:pPr lvl="1"/>
-            <a:r>
-              <a:rPr lang="en-US" dirty="0"/>
-              <a:t>Stimulated will be replayed mimicking the real be</a:t>
-            </a:r>
-          </a:p>
-          <a:p>
-            <a:r>
-              <a:rPr lang="en-US" dirty="0"/>
-              <a:t>Save as 02Null.json</a:t>
-            </a:r>
-          </a:p>
-          <a:p>
-            <a:r>
-              <a:rPr lang="en-US" dirty="0"/>
-              <a:t>Stop the fe and the be</a:t>
+              <a:t>Delete any previous script, restart, and upload the 01Web.json</a:t>
+            </a:r>
+          </a:p>
+          <a:p>
+            <a:r>
+              <a:rPr lang="en-US" dirty="0"/>
+              <a:t>Edit the first call to gateway/api/v1/employees and set the response body as “fail” </a:t>
+            </a:r>
+          </a:p>
+          <a:p>
+            <a:r>
+              <a:rPr lang="en-US" dirty="0"/>
+              <a:t>Stop the be and the gateway</a:t>
             </a:r>
           </a:p>
           <a:p>
@@ -6197,24 +6628,27 @@
           <a:p>
             <a:r>
               <a:rPr lang="en-US" dirty="0"/>
-              <a:t>Play the Null infrastructure</a:t>
-            </a:r>
-          </a:p>
-          <a:p>
-            <a:r>
-              <a:rPr lang="en-US" dirty="0"/>
-              <a:t>Check the results</a:t>
-            </a:r>
-          </a:p>
-          <a:p>
-            <a:endParaRPr lang="en-US" dirty="0"/>
+              <a:t>Start replaying</a:t>
+            </a:r>
+          </a:p>
+          <a:p>
+            <a:r>
+              <a:rPr lang="en-US" dirty="0"/>
+              <a:t>Follow the operations you did while recording</a:t>
+            </a:r>
+          </a:p>
+          <a:p>
+            <a:r>
+              <a:rPr lang="en-US" dirty="0"/>
+              <a:t>Have fun with the exception!</a:t>
+            </a:r>
           </a:p>
         </p:txBody>
       </p:sp>
     </p:spTree>
     <p:extLst>
       <p:ext uri="{BB962C8B-B14F-4D97-AF65-F5344CB8AC3E}">
-        <p14:creationId xmlns:p14="http://schemas.microsoft.com/office/powerpoint/2010/main" val="84845685"/>
+        <p14:creationId xmlns:p14="http://schemas.microsoft.com/office/powerpoint/2010/main" val="2988651207"/>
       </p:ext>
     </p:extLst>
   </p:cSld>
@@ -6266,7 +6700,7 @@
           <a:p>
             <a:r>
               <a:rPr lang="en-US" dirty="0"/>
-              <a:t>Null Infrastructure test - Fail</a:t>
+              <a:t>Null Infrastructure test - Success</a:t>
             </a:r>
           </a:p>
         </p:txBody>
@@ -6290,19 +6724,53 @@
         <p:spPr/>
         <p:txBody>
           <a:bodyPr>
-            <a:normAutofit/>
+            <a:normAutofit lnSpcReduction="10000"/>
           </a:bodyPr>
           <a:lstStyle/>
           <a:p>
             <a:r>
               <a:rPr lang="en-US" dirty="0"/>
-              <a:t>Delete any previous script, restart, and upload the 02Null.json</a:t>
-            </a:r>
-          </a:p>
-          <a:p>
-            <a:r>
-              <a:rPr lang="en-US" dirty="0"/>
-              <a:t>Edit the first call to be/api/v1/employees and set the response body as “fail” </a:t>
+              <a:t>Delete any previous script, restart, and upload the 00Master.json</a:t>
+            </a:r>
+          </a:p>
+          <a:p>
+            <a:r>
+              <a:rPr lang="en-US" dirty="0"/>
+              <a:t>Search for all the “www” calls, remove them</a:t>
+            </a:r>
+          </a:p>
+          <a:p>
+            <a:r>
+              <a:rPr lang="en-US" dirty="0"/>
+              <a:t>On the Script tab select all the “gateway” calls and set them as Stimulat</a:t>
+            </a:r>
+            <a:r>
+              <a:rPr lang="en-US" u="sng" dirty="0"/>
+              <a:t>or</a:t>
+            </a:r>
+          </a:p>
+          <a:p>
+            <a:r>
+              <a:rPr lang="en-US" dirty="0"/>
+              <a:t>On the Full tab select all the “be” calls and set them as Stimulat</a:t>
+            </a:r>
+            <a:r>
+              <a:rPr lang="en-US" u="sng" dirty="0"/>
+              <a:t>ed</a:t>
+            </a:r>
+          </a:p>
+          <a:p>
+            <a:pPr lvl="1"/>
+            <a:r>
+              <a:rPr lang="en-US" dirty="0"/>
+              <a:t>Stimulators will be called</a:t>
+            </a:r>
+          </a:p>
+          <a:p>
+            <a:pPr lvl="1"/>
+            <a:r>
+              <a:rPr lang="en-US" dirty="0"/>
+              <a:t>Stimulated will be replayed mimicking the real be</a:t>
             </a:r>
           </a:p>
           <a:p>
@@ -6332,7 +6800,7 @@
           <a:p>
             <a:r>
               <a:rPr lang="en-US" dirty="0"/>
-              <a:t>Enjoy the errors!</a:t>
+              <a:t>Check the results</a:t>
             </a:r>
           </a:p>
           <a:p>
@@ -6343,7 +6811,7 @@
     </p:spTree>
     <p:extLst>
       <p:ext uri="{BB962C8B-B14F-4D97-AF65-F5344CB8AC3E}">
-        <p14:creationId xmlns:p14="http://schemas.microsoft.com/office/powerpoint/2010/main" val="1320574935"/>
+        <p14:creationId xmlns:p14="http://schemas.microsoft.com/office/powerpoint/2010/main" val="84845685"/>
       </p:ext>
     </p:extLst>
   </p:cSld>
@@ -6395,7 +6863,7 @@
           <a:p>
             <a:r>
               <a:rPr lang="en-US" dirty="0"/>
-              <a:t>Pact test – Preparation - 1</a:t>
+              <a:t>Null Infrastructure test - Fail</a:t>
             </a:r>
           </a:p>
         </p:txBody>
@@ -6416,571 +6884,63 @@
             <p:ph type="body" idx="1"/>
           </p:nvPr>
         </p:nvSpPr>
-        <p:spPr>
-          <a:xfrm>
-            <a:off x="311700" y="1152475"/>
-            <a:ext cx="8520600" cy="1419275"/>
-          </a:xfrm>
-        </p:spPr>
+        <p:spPr/>
         <p:txBody>
           <a:bodyPr>
-            <a:normAutofit lnSpcReduction="10000"/>
+            <a:normAutofit/>
           </a:bodyPr>
           <a:lstStyle/>
           <a:p>
             <a:r>
               <a:rPr lang="en-US" dirty="0"/>
-              <a:t>Delete any previous script, restart, and upload the 00Master.json</a:t>
-            </a:r>
-          </a:p>
-          <a:p>
-            <a:r>
-              <a:rPr lang="en-US" dirty="0"/>
-              <a:t>Search for all the “www” and “gateway” calls, remove them</a:t>
-            </a:r>
-          </a:p>
-          <a:p>
-            <a:r>
-              <a:rPr lang="en-US" dirty="0"/>
-              <a:t>On the Full tab select all the calls and set them as PACT</a:t>
-            </a:r>
-          </a:p>
-          <a:p>
-            <a:r>
-              <a:rPr lang="en-US" dirty="0"/>
-              <a:t>Set on all the responses with a body the script to verify the schema</a:t>
+              <a:t>Delete any previous script, restart, and upload the 02Null.json</a:t>
+            </a:r>
+          </a:p>
+          <a:p>
+            <a:r>
+              <a:rPr lang="en-US" dirty="0"/>
+              <a:t>Edit the first call to be/api/v1/employees and set the response body as “fail” </a:t>
+            </a:r>
+          </a:p>
+          <a:p>
+            <a:r>
+              <a:rPr lang="en-US" dirty="0"/>
+              <a:t>Save as 02Null.json</a:t>
+            </a:r>
+          </a:p>
+          <a:p>
+            <a:r>
+              <a:rPr lang="en-US" dirty="0"/>
+              <a:t>Stop the fe and the be</a:t>
+            </a:r>
+          </a:p>
+          <a:p>
+            <a:r>
+              <a:rPr lang="en-US" dirty="0"/>
+              <a:t>Wait 60 seconds to update the proxy status</a:t>
+            </a:r>
+          </a:p>
+          <a:p>
+            <a:r>
+              <a:rPr lang="en-US" dirty="0"/>
+              <a:t>Play the Null infrastructure</a:t>
+            </a:r>
+          </a:p>
+          <a:p>
+            <a:r>
+              <a:rPr lang="en-US" dirty="0"/>
+              <a:t>Enjoy the errors!</a:t>
             </a:r>
           </a:p>
           <a:p>
             <a:endParaRPr lang="en-US" dirty="0"/>
-          </a:p>
-          <a:p>
-            <a:endParaRPr lang="en-US" dirty="0"/>
-          </a:p>
-          <a:p>
-            <a:endParaRPr lang="en-US" dirty="0"/>
-          </a:p>
-          <a:p>
-            <a:endParaRPr lang="en-US" dirty="0"/>
-          </a:p>
-        </p:txBody>
-      </p:sp>
-      <p:sp>
-        <p:nvSpPr>
-          <p:cNvPr id="5" name="TextBox 4">
-            <a:extLst>
-              <a:ext uri="{FF2B5EF4-FFF2-40B4-BE49-F238E27FC236}">
-                <a16:creationId xmlns:a16="http://schemas.microsoft.com/office/drawing/2014/main" id="{7355E3AA-7C7E-40B5-9A37-E5CA1C0085D3}"/>
-              </a:ext>
-            </a:extLst>
-          </p:cNvPr>
-          <p:cNvSpPr txBox="1"/>
-          <p:nvPr/>
-        </p:nvSpPr>
-        <p:spPr>
-          <a:xfrm>
-            <a:off x="763398" y="2444890"/>
-            <a:ext cx="7617204" cy="523220"/>
-          </a:xfrm>
-          <a:prstGeom prst="rect">
-            <a:avLst/>
-          </a:prstGeom>
-          <a:noFill/>
-        </p:spPr>
-        <p:txBody>
-          <a:bodyPr wrap="square" rtlCol="0">
-            <a:spAutoFit/>
-          </a:bodyPr>
-          <a:lstStyle/>
-          <a:p>
-            <a:r>
-              <a:rPr lang="en-US" dirty="0"/>
-              <a:t>var </a:t>
-            </a:r>
-            <a:r>
-              <a:rPr lang="en-US" dirty="0" err="1"/>
-              <a:t>diffEngine</a:t>
-            </a:r>
-            <a:r>
-              <a:rPr lang="en-US" dirty="0"/>
-              <a:t> = new </a:t>
-            </a:r>
-            <a:r>
-              <a:rPr lang="en-US" dirty="0" err="1"/>
-              <a:t>org.kendar.xml.DiffInferrer</a:t>
-            </a:r>
-            <a:r>
-              <a:rPr lang="en-US" dirty="0"/>
-              <a:t>();</a:t>
-            </a:r>
-          </a:p>
-          <a:p>
-            <a:r>
-              <a:rPr lang="en-US" dirty="0" err="1"/>
-              <a:t>diffEngine.diff</a:t>
-            </a:r>
-            <a:r>
-              <a:rPr lang="en-US" dirty="0"/>
-              <a:t>(</a:t>
-            </a:r>
-            <a:r>
-              <a:rPr lang="en-US" dirty="0" err="1"/>
-              <a:t>expectedresponse.getResponseText</a:t>
-            </a:r>
-            <a:r>
-              <a:rPr lang="en-US" dirty="0"/>
-              <a:t>(),</a:t>
-            </a:r>
-            <a:r>
-              <a:rPr lang="en-US" dirty="0" err="1"/>
-              <a:t>response.getResponseText</a:t>
-            </a:r>
-            <a:r>
-              <a:rPr lang="en-US" dirty="0"/>
-              <a:t>());</a:t>
-            </a:r>
-          </a:p>
-        </p:txBody>
-      </p:sp>
-      <p:sp>
-        <p:nvSpPr>
-          <p:cNvPr id="6" name="Text Placeholder 2">
-            <a:extLst>
-              <a:ext uri="{FF2B5EF4-FFF2-40B4-BE49-F238E27FC236}">
-                <a16:creationId xmlns:a16="http://schemas.microsoft.com/office/drawing/2014/main" id="{47EF244B-EE61-40CE-9670-451E431E601F}"/>
-              </a:ext>
-            </a:extLst>
-          </p:cNvPr>
-          <p:cNvSpPr txBox="1">
-            <a:spLocks/>
-          </p:cNvSpPr>
-          <p:nvPr/>
-        </p:nvSpPr>
-        <p:spPr>
-          <a:xfrm>
-            <a:off x="311700" y="2968110"/>
-            <a:ext cx="8068902" cy="834318"/>
-          </a:xfrm>
-          <a:prstGeom prst="rect">
-            <a:avLst/>
-          </a:prstGeom>
-          <a:noFill/>
-          <a:ln>
-            <a:noFill/>
-          </a:ln>
-        </p:spPr>
-        <p:txBody>
-          <a:bodyPr spcFirstLastPara="1" wrap="square" lIns="91425" tIns="91425" rIns="91425" bIns="91425" anchor="t" anchorCtr="0">
-            <a:normAutofit/>
-          </a:bodyPr>
-          <a:lstStyle>
-            <a:defPPr marR="0" lvl="0" algn="l" rtl="0">
-              <a:lnSpc>
-                <a:spcPct val="100000"/>
-              </a:lnSpc>
-              <a:spcBef>
-                <a:spcPts val="0"/>
-              </a:spcBef>
-              <a:spcAft>
-                <a:spcPts val="0"/>
-              </a:spcAft>
-            </a:defPPr>
-            <a:lvl1pPr marL="457200" marR="0" lvl="0" indent="-342900" algn="l" rtl="0">
-              <a:lnSpc>
-                <a:spcPct val="115000"/>
-              </a:lnSpc>
-              <a:spcBef>
-                <a:spcPts val="0"/>
-              </a:spcBef>
-              <a:spcAft>
-                <a:spcPts val="0"/>
-              </a:spcAft>
-              <a:buClr>
-                <a:schemeClr val="dk2"/>
-              </a:buClr>
-              <a:buSzPts val="1800"/>
-              <a:buFont typeface="Arial"/>
-              <a:buChar char="●"/>
-              <a:defRPr sz="1800" b="0" i="0" u="none" strike="noStrike" cap="none">
-                <a:solidFill>
-                  <a:schemeClr val="dk2"/>
-                </a:solidFill>
-                <a:latin typeface="Arial"/>
-                <a:ea typeface="Arial"/>
-                <a:cs typeface="Arial"/>
-                <a:sym typeface="Arial"/>
-              </a:defRPr>
-            </a:lvl1pPr>
-            <a:lvl2pPr marL="914400" marR="0" lvl="1" indent="-317500" algn="l" rtl="0">
-              <a:lnSpc>
-                <a:spcPct val="115000"/>
-              </a:lnSpc>
-              <a:spcBef>
-                <a:spcPts val="0"/>
-              </a:spcBef>
-              <a:spcAft>
-                <a:spcPts val="0"/>
-              </a:spcAft>
-              <a:buClr>
-                <a:schemeClr val="dk2"/>
-              </a:buClr>
-              <a:buSzPts val="1400"/>
-              <a:buFont typeface="Arial"/>
-              <a:buChar char="○"/>
-              <a:defRPr sz="1400" b="0" i="0" u="none" strike="noStrike" cap="none">
-                <a:solidFill>
-                  <a:schemeClr val="dk2"/>
-                </a:solidFill>
-                <a:latin typeface="Arial"/>
-                <a:ea typeface="Arial"/>
-                <a:cs typeface="Arial"/>
-                <a:sym typeface="Arial"/>
-              </a:defRPr>
-            </a:lvl2pPr>
-            <a:lvl3pPr marL="1371600" marR="0" lvl="2" indent="-317500" algn="l" rtl="0">
-              <a:lnSpc>
-                <a:spcPct val="115000"/>
-              </a:lnSpc>
-              <a:spcBef>
-                <a:spcPts val="0"/>
-              </a:spcBef>
-              <a:spcAft>
-                <a:spcPts val="0"/>
-              </a:spcAft>
-              <a:buClr>
-                <a:schemeClr val="dk2"/>
-              </a:buClr>
-              <a:buSzPts val="1400"/>
-              <a:buFont typeface="Arial"/>
-              <a:buChar char="■"/>
-              <a:defRPr sz="1400" b="0" i="0" u="none" strike="noStrike" cap="none">
-                <a:solidFill>
-                  <a:schemeClr val="dk2"/>
-                </a:solidFill>
-                <a:latin typeface="Arial"/>
-                <a:ea typeface="Arial"/>
-                <a:cs typeface="Arial"/>
-                <a:sym typeface="Arial"/>
-              </a:defRPr>
-            </a:lvl3pPr>
-            <a:lvl4pPr marL="1828800" marR="0" lvl="3" indent="-317500" algn="l" rtl="0">
-              <a:lnSpc>
-                <a:spcPct val="115000"/>
-              </a:lnSpc>
-              <a:spcBef>
-                <a:spcPts val="0"/>
-              </a:spcBef>
-              <a:spcAft>
-                <a:spcPts val="0"/>
-              </a:spcAft>
-              <a:buClr>
-                <a:schemeClr val="dk2"/>
-              </a:buClr>
-              <a:buSzPts val="1400"/>
-              <a:buFont typeface="Arial"/>
-              <a:buChar char="●"/>
-              <a:defRPr sz="1400" b="0" i="0" u="none" strike="noStrike" cap="none">
-                <a:solidFill>
-                  <a:schemeClr val="dk2"/>
-                </a:solidFill>
-                <a:latin typeface="Arial"/>
-                <a:ea typeface="Arial"/>
-                <a:cs typeface="Arial"/>
-                <a:sym typeface="Arial"/>
-              </a:defRPr>
-            </a:lvl4pPr>
-            <a:lvl5pPr marL="2286000" marR="0" lvl="4" indent="-317500" algn="l" rtl="0">
-              <a:lnSpc>
-                <a:spcPct val="115000"/>
-              </a:lnSpc>
-              <a:spcBef>
-                <a:spcPts val="0"/>
-              </a:spcBef>
-              <a:spcAft>
-                <a:spcPts val="0"/>
-              </a:spcAft>
-              <a:buClr>
-                <a:schemeClr val="dk2"/>
-              </a:buClr>
-              <a:buSzPts val="1400"/>
-              <a:buFont typeface="Arial"/>
-              <a:buChar char="○"/>
-              <a:defRPr sz="1400" b="0" i="0" u="none" strike="noStrike" cap="none">
-                <a:solidFill>
-                  <a:schemeClr val="dk2"/>
-                </a:solidFill>
-                <a:latin typeface="Arial"/>
-                <a:ea typeface="Arial"/>
-                <a:cs typeface="Arial"/>
-                <a:sym typeface="Arial"/>
-              </a:defRPr>
-            </a:lvl5pPr>
-            <a:lvl6pPr marL="2743200" marR="0" lvl="5" indent="-317500" algn="l" rtl="0">
-              <a:lnSpc>
-                <a:spcPct val="115000"/>
-              </a:lnSpc>
-              <a:spcBef>
-                <a:spcPts val="0"/>
-              </a:spcBef>
-              <a:spcAft>
-                <a:spcPts val="0"/>
-              </a:spcAft>
-              <a:buClr>
-                <a:schemeClr val="dk2"/>
-              </a:buClr>
-              <a:buSzPts val="1400"/>
-              <a:buFont typeface="Arial"/>
-              <a:buChar char="■"/>
-              <a:defRPr sz="1400" b="0" i="0" u="none" strike="noStrike" cap="none">
-                <a:solidFill>
-                  <a:schemeClr val="dk2"/>
-                </a:solidFill>
-                <a:latin typeface="Arial"/>
-                <a:ea typeface="Arial"/>
-                <a:cs typeface="Arial"/>
-                <a:sym typeface="Arial"/>
-              </a:defRPr>
-            </a:lvl6pPr>
-            <a:lvl7pPr marL="3200400" marR="0" lvl="6" indent="-317500" algn="l" rtl="0">
-              <a:lnSpc>
-                <a:spcPct val="115000"/>
-              </a:lnSpc>
-              <a:spcBef>
-                <a:spcPts val="0"/>
-              </a:spcBef>
-              <a:spcAft>
-                <a:spcPts val="0"/>
-              </a:spcAft>
-              <a:buClr>
-                <a:schemeClr val="dk2"/>
-              </a:buClr>
-              <a:buSzPts val="1400"/>
-              <a:buFont typeface="Arial"/>
-              <a:buChar char="●"/>
-              <a:defRPr sz="1400" b="0" i="0" u="none" strike="noStrike" cap="none">
-                <a:solidFill>
-                  <a:schemeClr val="dk2"/>
-                </a:solidFill>
-                <a:latin typeface="Arial"/>
-                <a:ea typeface="Arial"/>
-                <a:cs typeface="Arial"/>
-                <a:sym typeface="Arial"/>
-              </a:defRPr>
-            </a:lvl7pPr>
-            <a:lvl8pPr marL="3657600" marR="0" lvl="7" indent="-317500" algn="l" rtl="0">
-              <a:lnSpc>
-                <a:spcPct val="115000"/>
-              </a:lnSpc>
-              <a:spcBef>
-                <a:spcPts val="0"/>
-              </a:spcBef>
-              <a:spcAft>
-                <a:spcPts val="0"/>
-              </a:spcAft>
-              <a:buClr>
-                <a:schemeClr val="dk2"/>
-              </a:buClr>
-              <a:buSzPts val="1400"/>
-              <a:buFont typeface="Arial"/>
-              <a:buChar char="○"/>
-              <a:defRPr sz="1400" b="0" i="0" u="none" strike="noStrike" cap="none">
-                <a:solidFill>
-                  <a:schemeClr val="dk2"/>
-                </a:solidFill>
-                <a:latin typeface="Arial"/>
-                <a:ea typeface="Arial"/>
-                <a:cs typeface="Arial"/>
-                <a:sym typeface="Arial"/>
-              </a:defRPr>
-            </a:lvl8pPr>
-            <a:lvl9pPr marL="4114800" marR="0" lvl="8" indent="-317500" algn="l" rtl="0">
-              <a:lnSpc>
-                <a:spcPct val="115000"/>
-              </a:lnSpc>
-              <a:spcBef>
-                <a:spcPts val="0"/>
-              </a:spcBef>
-              <a:spcAft>
-                <a:spcPts val="0"/>
-              </a:spcAft>
-              <a:buClr>
-                <a:schemeClr val="dk2"/>
-              </a:buClr>
-              <a:buSzPts val="1400"/>
-              <a:buFont typeface="Arial"/>
-              <a:buChar char="■"/>
-              <a:defRPr sz="1400" b="0" i="0" u="none" strike="noStrike" cap="none">
-                <a:solidFill>
-                  <a:schemeClr val="dk2"/>
-                </a:solidFill>
-                <a:latin typeface="Arial"/>
-                <a:ea typeface="Arial"/>
-                <a:cs typeface="Arial"/>
-                <a:sym typeface="Arial"/>
-              </a:defRPr>
-            </a:lvl9pPr>
-          </a:lstStyle>
-          <a:p>
-            <a:r>
-              <a:rPr lang="en-US" dirty="0"/>
-              <a:t>Set on the response of POST to employees the script to store the just created id and set the “</a:t>
-            </a:r>
-            <a:r>
-              <a:rPr lang="en-US" dirty="0" err="1"/>
-              <a:t>eid</a:t>
-            </a:r>
-            <a:r>
-              <a:rPr lang="en-US" dirty="0"/>
-              <a:t>” variable</a:t>
-            </a:r>
-          </a:p>
-          <a:p>
-            <a:endParaRPr lang="en-US" dirty="0"/>
-          </a:p>
-          <a:p>
-            <a:endParaRPr lang="en-US" dirty="0"/>
-          </a:p>
-          <a:p>
-            <a:endParaRPr lang="en-US" dirty="0"/>
-          </a:p>
-          <a:p>
-            <a:endParaRPr lang="en-US" dirty="0"/>
-          </a:p>
-        </p:txBody>
-      </p:sp>
-      <p:sp>
-        <p:nvSpPr>
-          <p:cNvPr id="7" name="TextBox 6">
-            <a:extLst>
-              <a:ext uri="{FF2B5EF4-FFF2-40B4-BE49-F238E27FC236}">
-                <a16:creationId xmlns:a16="http://schemas.microsoft.com/office/drawing/2014/main" id="{7360F410-29F4-4D90-831A-45ABE6C2B410}"/>
-              </a:ext>
-            </a:extLst>
-          </p:cNvPr>
-          <p:cNvSpPr txBox="1"/>
-          <p:nvPr/>
-        </p:nvSpPr>
-        <p:spPr>
-          <a:xfrm>
-            <a:off x="763398" y="3700079"/>
-            <a:ext cx="7617204" cy="954107"/>
-          </a:xfrm>
-          <a:prstGeom prst="rect">
-            <a:avLst/>
-          </a:prstGeom>
-          <a:noFill/>
-        </p:spPr>
-        <p:txBody>
-          <a:bodyPr wrap="square" rtlCol="0">
-            <a:spAutoFit/>
-          </a:bodyPr>
-          <a:lstStyle/>
-          <a:p>
-            <a:r>
-              <a:rPr lang="en-US" dirty="0"/>
-              <a:t>var </a:t>
-            </a:r>
-            <a:r>
-              <a:rPr lang="en-US" dirty="0" err="1"/>
-              <a:t>realResponse</a:t>
-            </a:r>
-            <a:r>
-              <a:rPr lang="en-US" dirty="0"/>
-              <a:t> = </a:t>
-            </a:r>
-            <a:r>
-              <a:rPr lang="en-US" dirty="0" err="1"/>
-              <a:t>JSON.parse</a:t>
-            </a:r>
-            <a:r>
-              <a:rPr lang="en-US" dirty="0"/>
-              <a:t>(</a:t>
-            </a:r>
-            <a:r>
-              <a:rPr lang="en-US" dirty="0" err="1"/>
-              <a:t>response.getResponseText</a:t>
-            </a:r>
-            <a:r>
-              <a:rPr lang="en-US" dirty="0"/>
-              <a:t>());</a:t>
-            </a:r>
-          </a:p>
-          <a:p>
-            <a:r>
-              <a:rPr lang="en-US" dirty="0"/>
-              <a:t>var </a:t>
-            </a:r>
-            <a:r>
-              <a:rPr lang="en-US" dirty="0" err="1"/>
-              <a:t>realId</a:t>
-            </a:r>
-            <a:r>
-              <a:rPr lang="en-US" dirty="0"/>
-              <a:t> = </a:t>
-            </a:r>
-            <a:r>
-              <a:rPr lang="en-US" dirty="0" err="1"/>
-              <a:t>realResponse</a:t>
-            </a:r>
-            <a:r>
-              <a:rPr lang="en-US" dirty="0"/>
-              <a:t>['id'];</a:t>
-            </a:r>
-          </a:p>
-          <a:p>
-            <a:r>
-              <a:rPr lang="en-US" dirty="0"/>
-              <a:t>var cache = new </a:t>
-            </a:r>
-            <a:r>
-              <a:rPr lang="en-US" dirty="0" err="1"/>
-              <a:t>org.kendar.replayer.Cache</a:t>
-            </a:r>
-            <a:r>
-              <a:rPr lang="en-US" dirty="0"/>
-              <a:t>();</a:t>
-            </a:r>
-          </a:p>
-          <a:p>
-            <a:r>
-              <a:rPr lang="en-US" dirty="0" err="1"/>
-              <a:t>cache.set</a:t>
-            </a:r>
-            <a:r>
-              <a:rPr lang="en-US" dirty="0"/>
-              <a:t>(</a:t>
-            </a:r>
-            <a:r>
-              <a:rPr lang="en-US" dirty="0" err="1"/>
-              <a:t>runid</a:t>
-            </a:r>
-            <a:r>
-              <a:rPr lang="en-US" dirty="0"/>
-              <a:t>,'</a:t>
-            </a:r>
-            <a:r>
-              <a:rPr lang="en-US" dirty="0" err="1"/>
-              <a:t>eid</a:t>
-            </a:r>
-            <a:r>
-              <a:rPr lang="en-US" dirty="0"/>
-              <a:t>',</a:t>
-            </a:r>
-            <a:r>
-              <a:rPr lang="en-US" dirty="0" err="1"/>
-              <a:t>realId</a:t>
-            </a:r>
-            <a:r>
-              <a:rPr lang="en-US" dirty="0"/>
-              <a:t>);</a:t>
-            </a:r>
           </a:p>
         </p:txBody>
       </p:sp>
     </p:spTree>
     <p:extLst>
       <p:ext uri="{BB962C8B-B14F-4D97-AF65-F5344CB8AC3E}">
-        <p14:creationId xmlns:p14="http://schemas.microsoft.com/office/powerpoint/2010/main" val="3758491864"/>
+        <p14:creationId xmlns:p14="http://schemas.microsoft.com/office/powerpoint/2010/main" val="1320574935"/>
       </p:ext>
     </p:extLst>
   </p:cSld>
@@ -7032,7 +6992,7 @@
           <a:p>
             <a:r>
               <a:rPr lang="en-US" dirty="0"/>
-              <a:t>Pact test – Preparation -2 </a:t>
+              <a:t>Pact test – Preparation - 1</a:t>
             </a:r>
           </a:p>
         </p:txBody>
@@ -7056,18 +7016,36 @@
         <p:spPr>
           <a:xfrm>
             <a:off x="311700" y="1152475"/>
-            <a:ext cx="8520600" cy="954107"/>
+            <a:ext cx="8520600" cy="1419275"/>
           </a:xfrm>
         </p:spPr>
         <p:txBody>
           <a:bodyPr>
-            <a:normAutofit/>
+            <a:normAutofit lnSpcReduction="10000"/>
           </a:bodyPr>
           <a:lstStyle/>
           <a:p>
             <a:r>
               <a:rPr lang="en-US" dirty="0"/>
-              <a:t>Add on the POST response to appointments the following script to retrieve the appointment id and set the “aid” variable</a:t>
+              <a:t>Delete any previous script, restart, and upload the 00Master.json</a:t>
+            </a:r>
+          </a:p>
+          <a:p>
+            <a:r>
+              <a:rPr lang="en-US" dirty="0"/>
+              <a:t>Search for all the “www” and “gateway” calls, remove them</a:t>
+            </a:r>
+          </a:p>
+          <a:p>
+            <a:r>
+              <a:rPr lang="en-US" dirty="0"/>
+              <a:t>On the Full tab select all the calls and set them as PACT</a:t>
+            </a:r>
+          </a:p>
+          <a:p>
+            <a:r>
+              <a:rPr lang="en-US" dirty="0"/>
+              <a:t>Set on all the responses with a body the script to verify the schema</a:t>
             </a:r>
           </a:p>
           <a:p>
@@ -7086,10 +7064,10 @@
       </p:sp>
       <p:sp>
         <p:nvSpPr>
-          <p:cNvPr id="7" name="TextBox 6">
+          <p:cNvPr id="5" name="TextBox 4">
             <a:extLst>
               <a:ext uri="{FF2B5EF4-FFF2-40B4-BE49-F238E27FC236}">
-                <a16:creationId xmlns:a16="http://schemas.microsoft.com/office/drawing/2014/main" id="{7360F410-29F4-4D90-831A-45ABE6C2B410}"/>
+                <a16:creationId xmlns:a16="http://schemas.microsoft.com/office/drawing/2014/main" id="{7355E3AA-7C7E-40B5-9A37-E5CA1C0085D3}"/>
               </a:ext>
             </a:extLst>
           </p:cNvPr>
@@ -7098,8 +7076,8 @@
         </p:nvSpPr>
         <p:spPr>
           <a:xfrm>
-            <a:off x="763398" y="1862112"/>
-            <a:ext cx="7617204" cy="954107"/>
+            <a:off x="763398" y="2444890"/>
+            <a:ext cx="7617204" cy="523220"/>
           </a:xfrm>
           <a:prstGeom prst="rect">
             <a:avLst/>
@@ -7118,19 +7096,37 @@
             </a:r>
             <a:r>
               <a:rPr lang="en-US" dirty="0" err="1"/>
-              <a:t>realResponse</a:t>
-            </a:r>
-            <a:r>
-              <a:rPr lang="en-US" dirty="0"/>
-              <a:t> = </a:t>
+              <a:t>diffEngine</a:t>
+            </a:r>
+            <a:r>
+              <a:rPr lang="en-US" dirty="0"/>
+              <a:t> = new </a:t>
             </a:r>
             <a:r>
               <a:rPr lang="en-US" dirty="0" err="1"/>
-              <a:t>JSON.parse</a:t>
+              <a:t>org.kendar.xml.DiffInferrer</a:t>
+            </a:r>
+            <a:r>
+              <a:rPr lang="en-US" dirty="0"/>
+              <a:t>();</a:t>
+            </a:r>
+          </a:p>
+          <a:p>
+            <a:r>
+              <a:rPr lang="en-US" dirty="0" err="1"/>
+              <a:t>diffEngine.diff</a:t>
             </a:r>
             <a:r>
               <a:rPr lang="en-US" dirty="0"/>
               <a:t>(</a:t>
+            </a:r>
+            <a:r>
+              <a:rPr lang="en-US" dirty="0" err="1"/>
+              <a:t>expectedresponse.getResponseText</a:t>
+            </a:r>
+            <a:r>
+              <a:rPr lang="en-US" dirty="0"/>
+              <a:t>(),</a:t>
             </a:r>
             <a:r>
               <a:rPr lang="en-US" dirty="0" err="1"/>
@@ -7139,78 +7135,16 @@
             <a:r>
               <a:rPr lang="en-US" dirty="0"/>
               <a:t>());</a:t>
-            </a:r>
-          </a:p>
-          <a:p>
-            <a:r>
-              <a:rPr lang="en-US" dirty="0"/>
-              <a:t>var </a:t>
-            </a:r>
-            <a:r>
-              <a:rPr lang="en-US" dirty="0" err="1"/>
-              <a:t>realId</a:t>
-            </a:r>
-            <a:r>
-              <a:rPr lang="en-US" dirty="0"/>
-              <a:t> = </a:t>
-            </a:r>
-            <a:r>
-              <a:rPr lang="en-US" dirty="0" err="1"/>
-              <a:t>realResponse</a:t>
-            </a:r>
-            <a:r>
-              <a:rPr lang="en-US" dirty="0"/>
-              <a:t>['id'];</a:t>
-            </a:r>
-          </a:p>
-          <a:p>
-            <a:r>
-              <a:rPr lang="en-US" dirty="0"/>
-              <a:t>var cache = new </a:t>
-            </a:r>
-            <a:r>
-              <a:rPr lang="en-US" dirty="0" err="1"/>
-              <a:t>org.kendar.replayer.Cache</a:t>
-            </a:r>
-            <a:r>
-              <a:rPr lang="en-US" dirty="0"/>
-              <a:t>();</a:t>
-            </a:r>
-          </a:p>
-          <a:p>
-            <a:r>
-              <a:rPr lang="en-US" dirty="0" err="1"/>
-              <a:t>cache.set</a:t>
-            </a:r>
-            <a:r>
-              <a:rPr lang="en-US" dirty="0"/>
-              <a:t>(</a:t>
-            </a:r>
-            <a:r>
-              <a:rPr lang="en-US" dirty="0" err="1"/>
-              <a:t>runid</a:t>
-            </a:r>
-            <a:r>
-              <a:rPr lang="en-US" dirty="0"/>
-              <a:t>,'aid',</a:t>
-            </a:r>
-            <a:r>
-              <a:rPr lang="en-US" dirty="0" err="1"/>
-              <a:t>realId</a:t>
-            </a:r>
-            <a:r>
-              <a:rPr lang="en-US" dirty="0"/>
-              <a:t>);</a:t>
             </a:r>
           </a:p>
         </p:txBody>
       </p:sp>
       <p:sp>
         <p:nvSpPr>
-          <p:cNvPr id="8" name="Text Placeholder 2">
+          <p:cNvPr id="6" name="Text Placeholder 2">
             <a:extLst>
               <a:ext uri="{FF2B5EF4-FFF2-40B4-BE49-F238E27FC236}">
-                <a16:creationId xmlns:a16="http://schemas.microsoft.com/office/drawing/2014/main" id="{AF4F9D1D-3726-45FF-A4BD-28F141D4D943}"/>
+                <a16:creationId xmlns:a16="http://schemas.microsoft.com/office/drawing/2014/main" id="{47EF244B-EE61-40CE-9670-451E431E601F}"/>
               </a:ext>
             </a:extLst>
           </p:cNvPr>
@@ -7221,8 +7155,8 @@
         </p:nvSpPr>
         <p:spPr>
           <a:xfrm>
-            <a:off x="311700" y="2816219"/>
-            <a:ext cx="8520600" cy="1882256"/>
+            <a:off x="311700" y="2968110"/>
+            <a:ext cx="8068902" cy="834318"/>
           </a:xfrm>
           <a:prstGeom prst="rect">
             <a:avLst/>
@@ -7486,19 +7420,15 @@
           <a:p>
             <a:r>
               <a:rPr lang="en-US" dirty="0"/>
-              <a:t>On all the requests, containing the index of the employee replace it (in the path) with ##eid##</a:t>
-            </a:r>
-          </a:p>
-          <a:p>
-            <a:r>
-              <a:rPr lang="en-US" dirty="0"/>
-              <a:t>On all the requests, containing the index of the employee replace it (in the path) with ##aid##</a:t>
-            </a:r>
-          </a:p>
-          <a:p>
-            <a:r>
-              <a:rPr lang="en-US" dirty="0"/>
-              <a:t>Save as 03Pact.json</a:t>
+              <a:t>Set on the response of POST to employees the script to store the just created id and set the “</a:t>
+            </a:r>
+            <a:r>
+              <a:rPr lang="en-US" dirty="0" err="1"/>
+              <a:t>eid</a:t>
+            </a:r>
+            <a:r>
+              <a:rPr lang="en-US" dirty="0"/>
+              <a:t>” variable</a:t>
             </a:r>
           </a:p>
           <a:p>
@@ -7513,15 +7443,141 @@
           <a:p>
             <a:endParaRPr lang="en-US" dirty="0"/>
           </a:p>
-          <a:p>
-            <a:endParaRPr lang="en-US" dirty="0"/>
+        </p:txBody>
+      </p:sp>
+      <p:sp>
+        <p:nvSpPr>
+          <p:cNvPr id="7" name="TextBox 6">
+            <a:extLst>
+              <a:ext uri="{FF2B5EF4-FFF2-40B4-BE49-F238E27FC236}">
+                <a16:creationId xmlns:a16="http://schemas.microsoft.com/office/drawing/2014/main" id="{7360F410-29F4-4D90-831A-45ABE6C2B410}"/>
+              </a:ext>
+            </a:extLst>
+          </p:cNvPr>
+          <p:cNvSpPr txBox="1"/>
+          <p:nvPr/>
+        </p:nvSpPr>
+        <p:spPr>
+          <a:xfrm>
+            <a:off x="763398" y="3700079"/>
+            <a:ext cx="7617204" cy="954107"/>
+          </a:xfrm>
+          <a:prstGeom prst="rect">
+            <a:avLst/>
+          </a:prstGeom>
+          <a:noFill/>
+        </p:spPr>
+        <p:txBody>
+          <a:bodyPr wrap="square" rtlCol="0">
+            <a:spAutoFit/>
+          </a:bodyPr>
+          <a:lstStyle/>
+          <a:p>
+            <a:r>
+              <a:rPr lang="en-US" dirty="0"/>
+              <a:t>var </a:t>
+            </a:r>
+            <a:r>
+              <a:rPr lang="en-US" dirty="0" err="1"/>
+              <a:t>realResponse</a:t>
+            </a:r>
+            <a:r>
+              <a:rPr lang="en-US" dirty="0"/>
+              <a:t> = </a:t>
+            </a:r>
+            <a:r>
+              <a:rPr lang="en-US" dirty="0" err="1"/>
+              <a:t>JSON.parse</a:t>
+            </a:r>
+            <a:r>
+              <a:rPr lang="en-US" dirty="0"/>
+              <a:t>(</a:t>
+            </a:r>
+            <a:r>
+              <a:rPr lang="en-US" dirty="0" err="1"/>
+              <a:t>response.getResponseText</a:t>
+            </a:r>
+            <a:r>
+              <a:rPr lang="en-US" dirty="0"/>
+              <a:t>());</a:t>
+            </a:r>
+          </a:p>
+          <a:p>
+            <a:r>
+              <a:rPr lang="en-US" dirty="0"/>
+              <a:t>var </a:t>
+            </a:r>
+            <a:r>
+              <a:rPr lang="en-US" dirty="0" err="1"/>
+              <a:t>realId</a:t>
+            </a:r>
+            <a:r>
+              <a:rPr lang="en-US" dirty="0"/>
+              <a:t> = </a:t>
+            </a:r>
+            <a:r>
+              <a:rPr lang="en-US" dirty="0" err="1"/>
+              <a:t>realResponse</a:t>
+            </a:r>
+            <a:r>
+              <a:rPr lang="en-US" dirty="0"/>
+              <a:t>['id'];</a:t>
+            </a:r>
+          </a:p>
+          <a:p>
+            <a:r>
+              <a:rPr lang="en-US" dirty="0"/>
+              <a:t>var cache = new </a:t>
+            </a:r>
+            <a:r>
+              <a:rPr lang="en-US" dirty="0" err="1"/>
+              <a:t>org.kendar.replayer.Cache</a:t>
+            </a:r>
+            <a:r>
+              <a:rPr lang="en-US" dirty="0"/>
+              <a:t>();</a:t>
+            </a:r>
+          </a:p>
+          <a:p>
+            <a:r>
+              <a:rPr lang="en-US" dirty="0" err="1"/>
+              <a:t>cache.set</a:t>
+            </a:r>
+            <a:r>
+              <a:rPr lang="en-US" dirty="0"/>
+              <a:t>(</a:t>
+            </a:r>
+            <a:r>
+              <a:rPr lang="en-US" dirty="0" err="1"/>
+              <a:t>runid</a:t>
+            </a:r>
+            <a:r>
+              <a:rPr lang="en-US" dirty="0"/>
+              <a:t>,'</a:t>
+            </a:r>
+            <a:r>
+              <a:rPr lang="en-US" dirty="0" err="1"/>
+              <a:t>eid</a:t>
+            </a:r>
+            <a:r>
+              <a:rPr lang="en-US" dirty="0"/>
+              <a:t>',</a:t>
+            </a:r>
+            <a:r>
+              <a:rPr lang="en-US" dirty="0" err="1"/>
+              <a:t>realId</a:t>
+            </a:r>
+            <a:r>
+              <a:rPr lang="en-US" dirty="0"/>
+              <a:t>);</a:t>
+            </a:r>
           </a:p>
         </p:txBody>
       </p:sp>
     </p:spTree>
     <p:extLst>
       <p:ext uri="{BB962C8B-B14F-4D97-AF65-F5344CB8AC3E}">
-        <p14:creationId xmlns:p14="http://schemas.microsoft.com/office/powerpoint/2010/main" val="1280475614"/>
+        <p14:creationId xmlns:p14="http://schemas.microsoft.com/office/powerpoint/2010/main" val="3758491864"/>
       </p:ext>
     </p:extLst>
   </p:cSld>
@@ -7573,7 +7629,7 @@
           <a:p>
             <a:r>
               <a:rPr lang="en-US" dirty="0"/>
-              <a:t>Pact test - Success</a:t>
+              <a:t>Pact test – Preparation -2 </a:t>
             </a:r>
           </a:p>
         </p:txBody>
@@ -7594,7 +7650,12 @@
             <p:ph type="body" idx="1"/>
           </p:nvPr>
         </p:nvSpPr>
-        <p:spPr/>
+        <p:spPr>
+          <a:xfrm>
+            <a:off x="311700" y="1152475"/>
+            <a:ext cx="8520600" cy="954107"/>
+          </a:xfrm>
+        </p:spPr>
         <p:txBody>
           <a:bodyPr>
             <a:normAutofit/>
@@ -7603,20 +7664,451 @@
           <a:p>
             <a:r>
               <a:rPr lang="en-US" dirty="0"/>
-              <a:t>Delete any previous script, restart, and upload the 03Pact.json</a:t>
-            </a:r>
-          </a:p>
-          <a:p>
-            <a:r>
-              <a:rPr lang="en-US" dirty="0"/>
-              <a:t>Run the PACT test</a:t>
-            </a:r>
-          </a:p>
-          <a:p>
-            <a:r>
-              <a:rPr lang="en-US" dirty="0"/>
-              <a:t>Check the result</a:t>
-            </a:r>
+              <a:t>Add on the POST response to appointments the following script to retrieve the appointment id and set the “aid” variable</a:t>
+            </a:r>
+          </a:p>
+          <a:p>
+            <a:endParaRPr lang="en-US" dirty="0"/>
+          </a:p>
+          <a:p>
+            <a:endParaRPr lang="en-US" dirty="0"/>
+          </a:p>
+          <a:p>
+            <a:endParaRPr lang="en-US" dirty="0"/>
+          </a:p>
+          <a:p>
+            <a:endParaRPr lang="en-US" dirty="0"/>
+          </a:p>
+        </p:txBody>
+      </p:sp>
+      <p:sp>
+        <p:nvSpPr>
+          <p:cNvPr id="7" name="TextBox 6">
+            <a:extLst>
+              <a:ext uri="{FF2B5EF4-FFF2-40B4-BE49-F238E27FC236}">
+                <a16:creationId xmlns:a16="http://schemas.microsoft.com/office/drawing/2014/main" id="{7360F410-29F4-4D90-831A-45ABE6C2B410}"/>
+              </a:ext>
+            </a:extLst>
+          </p:cNvPr>
+          <p:cNvSpPr txBox="1"/>
+          <p:nvPr/>
+        </p:nvSpPr>
+        <p:spPr>
+          <a:xfrm>
+            <a:off x="763398" y="1862112"/>
+            <a:ext cx="7617204" cy="954107"/>
+          </a:xfrm>
+          <a:prstGeom prst="rect">
+            <a:avLst/>
+          </a:prstGeom>
+          <a:noFill/>
+        </p:spPr>
+        <p:txBody>
+          <a:bodyPr wrap="square" rtlCol="0">
+            <a:spAutoFit/>
+          </a:bodyPr>
+          <a:lstStyle/>
+          <a:p>
+            <a:r>
+              <a:rPr lang="en-US" dirty="0"/>
+              <a:t>var </a:t>
+            </a:r>
+            <a:r>
+              <a:rPr lang="en-US" dirty="0" err="1"/>
+              <a:t>realResponse</a:t>
+            </a:r>
+            <a:r>
+              <a:rPr lang="en-US" dirty="0"/>
+              <a:t> = </a:t>
+            </a:r>
+            <a:r>
+              <a:rPr lang="en-US" dirty="0" err="1"/>
+              <a:t>JSON.parse</a:t>
+            </a:r>
+            <a:r>
+              <a:rPr lang="en-US" dirty="0"/>
+              <a:t>(</a:t>
+            </a:r>
+            <a:r>
+              <a:rPr lang="en-US" dirty="0" err="1"/>
+              <a:t>response.getResponseText</a:t>
+            </a:r>
+            <a:r>
+              <a:rPr lang="en-US" dirty="0"/>
+              <a:t>());</a:t>
+            </a:r>
+          </a:p>
+          <a:p>
+            <a:r>
+              <a:rPr lang="en-US" dirty="0"/>
+              <a:t>var </a:t>
+            </a:r>
+            <a:r>
+              <a:rPr lang="en-US" dirty="0" err="1"/>
+              <a:t>realId</a:t>
+            </a:r>
+            <a:r>
+              <a:rPr lang="en-US" dirty="0"/>
+              <a:t> = </a:t>
+            </a:r>
+            <a:r>
+              <a:rPr lang="en-US" dirty="0" err="1"/>
+              <a:t>realResponse</a:t>
+            </a:r>
+            <a:r>
+              <a:rPr lang="en-US" dirty="0"/>
+              <a:t>['id'];</a:t>
+            </a:r>
+          </a:p>
+          <a:p>
+            <a:r>
+              <a:rPr lang="en-US" dirty="0"/>
+              <a:t>var cache = new </a:t>
+            </a:r>
+            <a:r>
+              <a:rPr lang="en-US" dirty="0" err="1"/>
+              <a:t>org.kendar.replayer.Cache</a:t>
+            </a:r>
+            <a:r>
+              <a:rPr lang="en-US" dirty="0"/>
+              <a:t>();</a:t>
+            </a:r>
+          </a:p>
+          <a:p>
+            <a:r>
+              <a:rPr lang="en-US" dirty="0" err="1"/>
+              <a:t>cache.set</a:t>
+            </a:r>
+            <a:r>
+              <a:rPr lang="en-US" dirty="0"/>
+              <a:t>(</a:t>
+            </a:r>
+            <a:r>
+              <a:rPr lang="en-US" dirty="0" err="1"/>
+              <a:t>runid</a:t>
+            </a:r>
+            <a:r>
+              <a:rPr lang="en-US" dirty="0"/>
+              <a:t>,'aid',</a:t>
+            </a:r>
+            <a:r>
+              <a:rPr lang="en-US" dirty="0" err="1"/>
+              <a:t>realId</a:t>
+            </a:r>
+            <a:r>
+              <a:rPr lang="en-US" dirty="0"/>
+              <a:t>);</a:t>
+            </a:r>
+          </a:p>
+        </p:txBody>
+      </p:sp>
+      <p:sp>
+        <p:nvSpPr>
+          <p:cNvPr id="8" name="Text Placeholder 2">
+            <a:extLst>
+              <a:ext uri="{FF2B5EF4-FFF2-40B4-BE49-F238E27FC236}">
+                <a16:creationId xmlns:a16="http://schemas.microsoft.com/office/drawing/2014/main" id="{AF4F9D1D-3726-45FF-A4BD-28F141D4D943}"/>
+              </a:ext>
+            </a:extLst>
+          </p:cNvPr>
+          <p:cNvSpPr txBox="1">
+            <a:spLocks/>
+          </p:cNvSpPr>
+          <p:nvPr/>
+        </p:nvSpPr>
+        <p:spPr>
+          <a:xfrm>
+            <a:off x="311700" y="2816219"/>
+            <a:ext cx="8520600" cy="1882256"/>
+          </a:xfrm>
+          <a:prstGeom prst="rect">
+            <a:avLst/>
+          </a:prstGeom>
+          <a:noFill/>
+          <a:ln>
+            <a:noFill/>
+          </a:ln>
+        </p:spPr>
+        <p:txBody>
+          <a:bodyPr spcFirstLastPara="1" wrap="square" lIns="91425" tIns="91425" rIns="91425" bIns="91425" anchor="t" anchorCtr="0">
+            <a:normAutofit/>
+          </a:bodyPr>
+          <a:lstStyle>
+            <a:defPPr marR="0" lvl="0" algn="l" rtl="0">
+              <a:lnSpc>
+                <a:spcPct val="100000"/>
+              </a:lnSpc>
+              <a:spcBef>
+                <a:spcPts val="0"/>
+              </a:spcBef>
+              <a:spcAft>
+                <a:spcPts val="0"/>
+              </a:spcAft>
+            </a:defPPr>
+            <a:lvl1pPr marL="457200" marR="0" lvl="0" indent="-342900" algn="l" rtl="0">
+              <a:lnSpc>
+                <a:spcPct val="115000"/>
+              </a:lnSpc>
+              <a:spcBef>
+                <a:spcPts val="0"/>
+              </a:spcBef>
+              <a:spcAft>
+                <a:spcPts val="0"/>
+              </a:spcAft>
+              <a:buClr>
+                <a:schemeClr val="dk2"/>
+              </a:buClr>
+              <a:buSzPts val="1800"/>
+              <a:buFont typeface="Arial"/>
+              <a:buChar char="●"/>
+              <a:defRPr sz="1800" b="0" i="0" u="none" strike="noStrike" cap="none">
+                <a:solidFill>
+                  <a:schemeClr val="dk2"/>
+                </a:solidFill>
+                <a:latin typeface="Arial"/>
+                <a:ea typeface="Arial"/>
+                <a:cs typeface="Arial"/>
+                <a:sym typeface="Arial"/>
+              </a:defRPr>
+            </a:lvl1pPr>
+            <a:lvl2pPr marL="914400" marR="0" lvl="1" indent="-317500" algn="l" rtl="0">
+              <a:lnSpc>
+                <a:spcPct val="115000"/>
+              </a:lnSpc>
+              <a:spcBef>
+                <a:spcPts val="0"/>
+              </a:spcBef>
+              <a:spcAft>
+                <a:spcPts val="0"/>
+              </a:spcAft>
+              <a:buClr>
+                <a:schemeClr val="dk2"/>
+              </a:buClr>
+              <a:buSzPts val="1400"/>
+              <a:buFont typeface="Arial"/>
+              <a:buChar char="○"/>
+              <a:defRPr sz="1400" b="0" i="0" u="none" strike="noStrike" cap="none">
+                <a:solidFill>
+                  <a:schemeClr val="dk2"/>
+                </a:solidFill>
+                <a:latin typeface="Arial"/>
+                <a:ea typeface="Arial"/>
+                <a:cs typeface="Arial"/>
+                <a:sym typeface="Arial"/>
+              </a:defRPr>
+            </a:lvl2pPr>
+            <a:lvl3pPr marL="1371600" marR="0" lvl="2" indent="-317500" algn="l" rtl="0">
+              <a:lnSpc>
+                <a:spcPct val="115000"/>
+              </a:lnSpc>
+              <a:spcBef>
+                <a:spcPts val="0"/>
+              </a:spcBef>
+              <a:spcAft>
+                <a:spcPts val="0"/>
+              </a:spcAft>
+              <a:buClr>
+                <a:schemeClr val="dk2"/>
+              </a:buClr>
+              <a:buSzPts val="1400"/>
+              <a:buFont typeface="Arial"/>
+              <a:buChar char="■"/>
+              <a:defRPr sz="1400" b="0" i="0" u="none" strike="noStrike" cap="none">
+                <a:solidFill>
+                  <a:schemeClr val="dk2"/>
+                </a:solidFill>
+                <a:latin typeface="Arial"/>
+                <a:ea typeface="Arial"/>
+                <a:cs typeface="Arial"/>
+                <a:sym typeface="Arial"/>
+              </a:defRPr>
+            </a:lvl3pPr>
+            <a:lvl4pPr marL="1828800" marR="0" lvl="3" indent="-317500" algn="l" rtl="0">
+              <a:lnSpc>
+                <a:spcPct val="115000"/>
+              </a:lnSpc>
+              <a:spcBef>
+                <a:spcPts val="0"/>
+              </a:spcBef>
+              <a:spcAft>
+                <a:spcPts val="0"/>
+              </a:spcAft>
+              <a:buClr>
+                <a:schemeClr val="dk2"/>
+              </a:buClr>
+              <a:buSzPts val="1400"/>
+              <a:buFont typeface="Arial"/>
+              <a:buChar char="●"/>
+              <a:defRPr sz="1400" b="0" i="0" u="none" strike="noStrike" cap="none">
+                <a:solidFill>
+                  <a:schemeClr val="dk2"/>
+                </a:solidFill>
+                <a:latin typeface="Arial"/>
+                <a:ea typeface="Arial"/>
+                <a:cs typeface="Arial"/>
+                <a:sym typeface="Arial"/>
+              </a:defRPr>
+            </a:lvl4pPr>
+            <a:lvl5pPr marL="2286000" marR="0" lvl="4" indent="-317500" algn="l" rtl="0">
+              <a:lnSpc>
+                <a:spcPct val="115000"/>
+              </a:lnSpc>
+              <a:spcBef>
+                <a:spcPts val="0"/>
+              </a:spcBef>
+              <a:spcAft>
+                <a:spcPts val="0"/>
+              </a:spcAft>
+              <a:buClr>
+                <a:schemeClr val="dk2"/>
+              </a:buClr>
+              <a:buSzPts val="1400"/>
+              <a:buFont typeface="Arial"/>
+              <a:buChar char="○"/>
+              <a:defRPr sz="1400" b="0" i="0" u="none" strike="noStrike" cap="none">
+                <a:solidFill>
+                  <a:schemeClr val="dk2"/>
+                </a:solidFill>
+                <a:latin typeface="Arial"/>
+                <a:ea typeface="Arial"/>
+                <a:cs typeface="Arial"/>
+                <a:sym typeface="Arial"/>
+              </a:defRPr>
+            </a:lvl5pPr>
+            <a:lvl6pPr marL="2743200" marR="0" lvl="5" indent="-317500" algn="l" rtl="0">
+              <a:lnSpc>
+                <a:spcPct val="115000"/>
+              </a:lnSpc>
+              <a:spcBef>
+                <a:spcPts val="0"/>
+              </a:spcBef>
+              <a:spcAft>
+                <a:spcPts val="0"/>
+              </a:spcAft>
+              <a:buClr>
+                <a:schemeClr val="dk2"/>
+              </a:buClr>
+              <a:buSzPts val="1400"/>
+              <a:buFont typeface="Arial"/>
+              <a:buChar char="■"/>
+              <a:defRPr sz="1400" b="0" i="0" u="none" strike="noStrike" cap="none">
+                <a:solidFill>
+                  <a:schemeClr val="dk2"/>
+                </a:solidFill>
+                <a:latin typeface="Arial"/>
+                <a:ea typeface="Arial"/>
+                <a:cs typeface="Arial"/>
+                <a:sym typeface="Arial"/>
+              </a:defRPr>
+            </a:lvl6pPr>
+            <a:lvl7pPr marL="3200400" marR="0" lvl="6" indent="-317500" algn="l" rtl="0">
+              <a:lnSpc>
+                <a:spcPct val="115000"/>
+              </a:lnSpc>
+              <a:spcBef>
+                <a:spcPts val="0"/>
+              </a:spcBef>
+              <a:spcAft>
+                <a:spcPts val="0"/>
+              </a:spcAft>
+              <a:buClr>
+                <a:schemeClr val="dk2"/>
+              </a:buClr>
+              <a:buSzPts val="1400"/>
+              <a:buFont typeface="Arial"/>
+              <a:buChar char="●"/>
+              <a:defRPr sz="1400" b="0" i="0" u="none" strike="noStrike" cap="none">
+                <a:solidFill>
+                  <a:schemeClr val="dk2"/>
+                </a:solidFill>
+                <a:latin typeface="Arial"/>
+                <a:ea typeface="Arial"/>
+                <a:cs typeface="Arial"/>
+                <a:sym typeface="Arial"/>
+              </a:defRPr>
+            </a:lvl7pPr>
+            <a:lvl8pPr marL="3657600" marR="0" lvl="7" indent="-317500" algn="l" rtl="0">
+              <a:lnSpc>
+                <a:spcPct val="115000"/>
+              </a:lnSpc>
+              <a:spcBef>
+                <a:spcPts val="0"/>
+              </a:spcBef>
+              <a:spcAft>
+                <a:spcPts val="0"/>
+              </a:spcAft>
+              <a:buClr>
+                <a:schemeClr val="dk2"/>
+              </a:buClr>
+              <a:buSzPts val="1400"/>
+              <a:buFont typeface="Arial"/>
+              <a:buChar char="○"/>
+              <a:defRPr sz="1400" b="0" i="0" u="none" strike="noStrike" cap="none">
+                <a:solidFill>
+                  <a:schemeClr val="dk2"/>
+                </a:solidFill>
+                <a:latin typeface="Arial"/>
+                <a:ea typeface="Arial"/>
+                <a:cs typeface="Arial"/>
+                <a:sym typeface="Arial"/>
+              </a:defRPr>
+            </a:lvl8pPr>
+            <a:lvl9pPr marL="4114800" marR="0" lvl="8" indent="-317500" algn="l" rtl="0">
+              <a:lnSpc>
+                <a:spcPct val="115000"/>
+              </a:lnSpc>
+              <a:spcBef>
+                <a:spcPts val="0"/>
+              </a:spcBef>
+              <a:spcAft>
+                <a:spcPts val="0"/>
+              </a:spcAft>
+              <a:buClr>
+                <a:schemeClr val="dk2"/>
+              </a:buClr>
+              <a:buSzPts val="1400"/>
+              <a:buFont typeface="Arial"/>
+              <a:buChar char="■"/>
+              <a:defRPr sz="1400" b="0" i="0" u="none" strike="noStrike" cap="none">
+                <a:solidFill>
+                  <a:schemeClr val="dk2"/>
+                </a:solidFill>
+                <a:latin typeface="Arial"/>
+                <a:ea typeface="Arial"/>
+                <a:cs typeface="Arial"/>
+                <a:sym typeface="Arial"/>
+              </a:defRPr>
+            </a:lvl9pPr>
+          </a:lstStyle>
+          <a:p>
+            <a:r>
+              <a:rPr lang="en-US" dirty="0"/>
+              <a:t>On all the requests, containing the index of the employee replace it (in the path) with ##eid##</a:t>
+            </a:r>
+          </a:p>
+          <a:p>
+            <a:r>
+              <a:rPr lang="en-US" dirty="0"/>
+              <a:t>On all the requests, containing the index of the employee replace it (in the path) with ##aid##</a:t>
+            </a:r>
+          </a:p>
+          <a:p>
+            <a:r>
+              <a:rPr lang="en-US" dirty="0"/>
+              <a:t>Save as 03Pact.json</a:t>
+            </a:r>
+          </a:p>
+          <a:p>
+            <a:endParaRPr lang="en-US" dirty="0"/>
+          </a:p>
+          <a:p>
+            <a:endParaRPr lang="en-US" dirty="0"/>
+          </a:p>
+          <a:p>
+            <a:endParaRPr lang="en-US" dirty="0"/>
+          </a:p>
+          <a:p>
+            <a:endParaRPr lang="en-US" dirty="0"/>
           </a:p>
           <a:p>
             <a:endParaRPr lang="en-US" dirty="0"/>
@@ -7626,7 +8118,7 @@
     </p:spTree>
     <p:extLst>
       <p:ext uri="{BB962C8B-B14F-4D97-AF65-F5344CB8AC3E}">
-        <p14:creationId xmlns:p14="http://schemas.microsoft.com/office/powerpoint/2010/main" val="1167130209"/>
+        <p14:creationId xmlns:p14="http://schemas.microsoft.com/office/powerpoint/2010/main" val="1280475614"/>
       </p:ext>
     </p:extLst>
   </p:cSld>
@@ -7678,7 +8170,7 @@
           <a:p>
             <a:r>
               <a:rPr lang="en-US" dirty="0"/>
-              <a:t>Pact test - Fail</a:t>
+              <a:t>Pact test - Success</a:t>
             </a:r>
           </a:p>
         </p:txBody>
@@ -7714,27 +8206,13 @@
           <a:p>
             <a:r>
               <a:rPr lang="en-US" dirty="0"/>
-              <a:t>Edit the response data from the first POST and add a field to the json object, something like “</a:t>
-            </a:r>
-            <a:r>
-              <a:rPr lang="en-US" dirty="0" err="1"/>
-              <a:t>test”:”something</a:t>
-            </a:r>
-            <a:r>
-              <a:rPr lang="en-US" dirty="0"/>
-              <a:t>”</a:t>
-            </a:r>
-          </a:p>
-          <a:p>
-            <a:r>
-              <a:rPr lang="en-US" dirty="0"/>
               <a:t>Run the PACT test</a:t>
             </a:r>
           </a:p>
           <a:p>
             <a:r>
               <a:rPr lang="en-US" dirty="0"/>
-              <a:t>Enjoy the error!</a:t>
+              <a:t>Check the result</a:t>
             </a:r>
           </a:p>
           <a:p>
@@ -7745,7 +8223,7 @@
     </p:spTree>
     <p:extLst>
       <p:ext uri="{BB962C8B-B14F-4D97-AF65-F5344CB8AC3E}">
-        <p14:creationId xmlns:p14="http://schemas.microsoft.com/office/powerpoint/2010/main" val="1972050398"/>
+        <p14:creationId xmlns:p14="http://schemas.microsoft.com/office/powerpoint/2010/main" val="1167130209"/>
       </p:ext>
     </p:extLst>
   </p:cSld>
@@ -7796,10 +8274,9 @@
           <a:lstStyle/>
           <a:p>
             <a:r>
-              <a:rPr lang="en-US"/>
-              <a:t>Mock</a:t>
-            </a:r>
-            <a:endParaRPr lang="en-US" dirty="0"/>
+              <a:rPr lang="en-US" dirty="0"/>
+              <a:t>Pact test - Fail</a:t>
+            </a:r>
           </a:p>
         </p:txBody>
       </p:sp>
@@ -7819,521 +8296,43 @@
             <p:ph type="body" idx="1"/>
           </p:nvPr>
         </p:nvSpPr>
-        <p:spPr>
-          <a:xfrm>
-            <a:off x="311700" y="1152475"/>
-            <a:ext cx="8520600" cy="1953034"/>
-          </a:xfrm>
-        </p:spPr>
+        <p:spPr/>
         <p:txBody>
           <a:bodyPr>
-            <a:normAutofit lnSpcReduction="10000"/>
+            <a:normAutofit/>
           </a:bodyPr>
           <a:lstStyle/>
           <a:p>
             <a:r>
               <a:rPr lang="en-US" dirty="0"/>
-              <a:t>Enter the JS Filters plugin</a:t>
-            </a:r>
-          </a:p>
-          <a:p>
-            <a:r>
-              <a:rPr lang="en-US" dirty="0"/>
-              <a:t>Add a new script</a:t>
-            </a:r>
-          </a:p>
-          <a:p>
-            <a:pPr lvl="1"/>
-            <a:r>
-              <a:rPr lang="en-US" dirty="0"/>
-              <a:t>Method: GET</a:t>
-            </a:r>
-          </a:p>
-          <a:p>
-            <a:pPr lvl="1"/>
-            <a:r>
-              <a:rPr lang="en-US" dirty="0"/>
-              <a:t>Host Address: </a:t>
-            </a:r>
-            <a:r>
-              <a:rPr lang="en-US" dirty="0">
-                <a:hlinkClick r:id="rId2"/>
-              </a:rPr>
-              <a:t>www.local.test</a:t>
-            </a:r>
-            <a:endParaRPr lang="en-US" dirty="0"/>
-          </a:p>
-          <a:p>
-            <a:pPr lvl="1"/>
-            <a:r>
-              <a:rPr lang="en-US" dirty="0"/>
-              <a:t>Path Address: /test</a:t>
-            </a:r>
-          </a:p>
-          <a:p>
-            <a:pPr lvl="1"/>
-            <a:r>
-              <a:rPr lang="en-US" dirty="0"/>
-              <a:t>Phase: PRE_RENDER</a:t>
-            </a:r>
-          </a:p>
-          <a:p>
-            <a:pPr lvl="1"/>
-            <a:r>
-              <a:rPr lang="en-US" dirty="0"/>
-              <a:t>Blocking: true</a:t>
-            </a:r>
-          </a:p>
-          <a:p>
-            <a:endParaRPr lang="en-US" dirty="0"/>
-          </a:p>
-        </p:txBody>
-      </p:sp>
-      <p:sp>
-        <p:nvSpPr>
-          <p:cNvPr id="5" name="TextBox 4">
-            <a:extLst>
-              <a:ext uri="{FF2B5EF4-FFF2-40B4-BE49-F238E27FC236}">
-                <a16:creationId xmlns:a16="http://schemas.microsoft.com/office/drawing/2014/main" id="{7D40B076-B033-4F85-8727-2E9703BAAF58}"/>
-              </a:ext>
-            </a:extLst>
-          </p:cNvPr>
-          <p:cNvSpPr txBox="1"/>
-          <p:nvPr/>
-        </p:nvSpPr>
-        <p:spPr>
-          <a:xfrm>
-            <a:off x="422693" y="2934352"/>
-            <a:ext cx="6396527" cy="1169551"/>
-          </a:xfrm>
-          <a:prstGeom prst="rect">
-            <a:avLst/>
-          </a:prstGeom>
-          <a:noFill/>
-        </p:spPr>
-        <p:txBody>
-          <a:bodyPr wrap="square" rtlCol="0">
-            <a:spAutoFit/>
-          </a:bodyPr>
-          <a:lstStyle/>
-          <a:p>
-            <a:r>
-              <a:rPr lang="en-US" sz="1000" dirty="0"/>
-              <a:t>var today = </a:t>
-            </a:r>
-            <a:r>
-              <a:rPr lang="en-US" sz="1000" dirty="0" err="1"/>
-              <a:t>getCurrentDate</a:t>
-            </a:r>
-            <a:r>
-              <a:rPr lang="en-US" sz="1000" dirty="0"/>
-              <a:t>()+</a:t>
-            </a:r>
-            <a:r>
-              <a:rPr lang="en-US" sz="1000" dirty="0" err="1"/>
-              <a:t>utils.loadFile</a:t>
-            </a:r>
-            <a:r>
-              <a:rPr lang="en-US" sz="1000" dirty="0"/>
-              <a:t>('</a:t>
-            </a:r>
-            <a:r>
-              <a:rPr lang="en-US" sz="1000" dirty="0" err="1"/>
-              <a:t>test.txt',false</a:t>
-            </a:r>
-            <a:r>
-              <a:rPr lang="en-US" sz="1000" dirty="0"/>
-              <a:t>);</a:t>
-            </a:r>
-          </a:p>
-          <a:p>
-            <a:r>
-              <a:rPr lang="en-US" sz="1000" dirty="0" err="1"/>
-              <a:t>utils.handleEvent</a:t>
-            </a:r>
-            <a:r>
-              <a:rPr lang="en-US" sz="1000" dirty="0"/>
-              <a:t>('test','{}');</a:t>
-            </a:r>
-          </a:p>
-          <a:p>
-            <a:r>
-              <a:rPr lang="en-US" sz="1000" dirty="0" err="1"/>
-              <a:t>response.setResponseText</a:t>
-            </a:r>
-            <a:r>
-              <a:rPr lang="en-US" sz="1000" dirty="0"/>
-              <a:t>('{"</a:t>
-            </a:r>
-            <a:r>
-              <a:rPr lang="en-US" sz="1000" dirty="0" err="1"/>
-              <a:t>value":"This</a:t>
-            </a:r>
-            <a:r>
-              <a:rPr lang="en-US" sz="1000" dirty="0"/>
-              <a:t> is a calculated </a:t>
-            </a:r>
-            <a:r>
-              <a:rPr lang="en-US" sz="1000" dirty="0" err="1"/>
-              <a:t>javascript</a:t>
-            </a:r>
-            <a:r>
-              <a:rPr lang="en-US" sz="1000" dirty="0"/>
-              <a:t> </a:t>
-            </a:r>
-            <a:r>
-              <a:rPr lang="en-US" sz="1000" dirty="0" err="1"/>
-              <a:t>response","date</a:t>
-            </a:r>
-            <a:r>
-              <a:rPr lang="en-US" sz="1000" dirty="0"/>
-              <a:t>":"'+today+'"}');</a:t>
-            </a:r>
-          </a:p>
-          <a:p>
-            <a:r>
-              <a:rPr lang="en-US" sz="1000" dirty="0" err="1"/>
-              <a:t>response.addHeader</a:t>
-            </a:r>
-            <a:r>
-              <a:rPr lang="en-US" sz="1000" dirty="0"/>
-              <a:t>('Content-</a:t>
-            </a:r>
-            <a:r>
-              <a:rPr lang="en-US" sz="1000" dirty="0" err="1"/>
-              <a:t>Type','application</a:t>
-            </a:r>
-            <a:r>
-              <a:rPr lang="en-US" sz="1000" dirty="0"/>
-              <a:t>/json');</a:t>
-            </a:r>
-          </a:p>
-          <a:p>
-            <a:r>
-              <a:rPr lang="en-US" sz="1000" dirty="0" err="1"/>
-              <a:t>response.setStatusCode</a:t>
-            </a:r>
-            <a:r>
-              <a:rPr lang="en-US" sz="1000" dirty="0"/>
-              <a:t>(200);</a:t>
-            </a:r>
-          </a:p>
-          <a:p>
-            <a:r>
-              <a:rPr lang="en-US" sz="1000" dirty="0" err="1"/>
-              <a:t>request.addHeader</a:t>
-            </a:r>
-            <a:r>
-              <a:rPr lang="en-US" sz="1000" dirty="0"/>
-              <a:t>('</a:t>
-            </a:r>
-            <a:r>
-              <a:rPr lang="en-US" sz="1000" dirty="0" err="1"/>
-              <a:t>Host','test.com</a:t>
-            </a:r>
-            <a:r>
-              <a:rPr lang="en-US" sz="1000" dirty="0"/>
-              <a:t>');</a:t>
-            </a:r>
-          </a:p>
-          <a:p>
-            <a:r>
-              <a:rPr lang="en-US" sz="1000" dirty="0"/>
-              <a:t>return false;</a:t>
-            </a:r>
-          </a:p>
-        </p:txBody>
-      </p:sp>
-      <p:sp>
-        <p:nvSpPr>
-          <p:cNvPr id="6" name="Text Placeholder 2">
-            <a:extLst>
-              <a:ext uri="{FF2B5EF4-FFF2-40B4-BE49-F238E27FC236}">
-                <a16:creationId xmlns:a16="http://schemas.microsoft.com/office/drawing/2014/main" id="{A51C8C96-FB73-47E8-8D40-5B9FE3755D64}"/>
-              </a:ext>
-            </a:extLst>
-          </p:cNvPr>
-          <p:cNvSpPr txBox="1">
-            <a:spLocks/>
-          </p:cNvSpPr>
-          <p:nvPr/>
-        </p:nvSpPr>
-        <p:spPr>
-          <a:xfrm>
-            <a:off x="311700" y="4103903"/>
-            <a:ext cx="8520600" cy="669433"/>
-          </a:xfrm>
-          <a:prstGeom prst="rect">
-            <a:avLst/>
-          </a:prstGeom>
-          <a:noFill/>
-          <a:ln>
-            <a:noFill/>
-          </a:ln>
-        </p:spPr>
-        <p:txBody>
-          <a:bodyPr spcFirstLastPara="1" wrap="square" lIns="91425" tIns="91425" rIns="91425" bIns="91425" anchor="t" anchorCtr="0">
-            <a:normAutofit/>
-          </a:bodyPr>
-          <a:lstStyle>
-            <a:defPPr marR="0" lvl="0" algn="l" rtl="0">
-              <a:lnSpc>
-                <a:spcPct val="100000"/>
-              </a:lnSpc>
-              <a:spcBef>
-                <a:spcPts val="0"/>
-              </a:spcBef>
-              <a:spcAft>
-                <a:spcPts val="0"/>
-              </a:spcAft>
-            </a:defPPr>
-            <a:lvl1pPr marL="457200" marR="0" lvl="0" indent="-342900" algn="l" rtl="0">
-              <a:lnSpc>
-                <a:spcPct val="115000"/>
-              </a:lnSpc>
-              <a:spcBef>
-                <a:spcPts val="0"/>
-              </a:spcBef>
-              <a:spcAft>
-                <a:spcPts val="0"/>
-              </a:spcAft>
-              <a:buClr>
-                <a:schemeClr val="dk2"/>
-              </a:buClr>
-              <a:buSzPts val="1800"/>
-              <a:buFont typeface="Arial"/>
-              <a:buChar char="●"/>
-              <a:defRPr sz="1800" b="0" i="0" u="none" strike="noStrike" cap="none">
-                <a:solidFill>
-                  <a:schemeClr val="dk2"/>
-                </a:solidFill>
-                <a:latin typeface="Arial"/>
-                <a:ea typeface="Arial"/>
-                <a:cs typeface="Arial"/>
-                <a:sym typeface="Arial"/>
-              </a:defRPr>
-            </a:lvl1pPr>
-            <a:lvl2pPr marL="914400" marR="0" lvl="1" indent="-317500" algn="l" rtl="0">
-              <a:lnSpc>
-                <a:spcPct val="115000"/>
-              </a:lnSpc>
-              <a:spcBef>
-                <a:spcPts val="0"/>
-              </a:spcBef>
-              <a:spcAft>
-                <a:spcPts val="0"/>
-              </a:spcAft>
-              <a:buClr>
-                <a:schemeClr val="dk2"/>
-              </a:buClr>
-              <a:buSzPts val="1400"/>
-              <a:buFont typeface="Arial"/>
-              <a:buChar char="○"/>
-              <a:defRPr sz="1400" b="0" i="0" u="none" strike="noStrike" cap="none">
-                <a:solidFill>
-                  <a:schemeClr val="dk2"/>
-                </a:solidFill>
-                <a:latin typeface="Arial"/>
-                <a:ea typeface="Arial"/>
-                <a:cs typeface="Arial"/>
-                <a:sym typeface="Arial"/>
-              </a:defRPr>
-            </a:lvl2pPr>
-            <a:lvl3pPr marL="1371600" marR="0" lvl="2" indent="-317500" algn="l" rtl="0">
-              <a:lnSpc>
-                <a:spcPct val="115000"/>
-              </a:lnSpc>
-              <a:spcBef>
-                <a:spcPts val="0"/>
-              </a:spcBef>
-              <a:spcAft>
-                <a:spcPts val="0"/>
-              </a:spcAft>
-              <a:buClr>
-                <a:schemeClr val="dk2"/>
-              </a:buClr>
-              <a:buSzPts val="1400"/>
-              <a:buFont typeface="Arial"/>
-              <a:buChar char="■"/>
-              <a:defRPr sz="1400" b="0" i="0" u="none" strike="noStrike" cap="none">
-                <a:solidFill>
-                  <a:schemeClr val="dk2"/>
-                </a:solidFill>
-                <a:latin typeface="Arial"/>
-                <a:ea typeface="Arial"/>
-                <a:cs typeface="Arial"/>
-                <a:sym typeface="Arial"/>
-              </a:defRPr>
-            </a:lvl3pPr>
-            <a:lvl4pPr marL="1828800" marR="0" lvl="3" indent="-317500" algn="l" rtl="0">
-              <a:lnSpc>
-                <a:spcPct val="115000"/>
-              </a:lnSpc>
-              <a:spcBef>
-                <a:spcPts val="0"/>
-              </a:spcBef>
-              <a:spcAft>
-                <a:spcPts val="0"/>
-              </a:spcAft>
-              <a:buClr>
-                <a:schemeClr val="dk2"/>
-              </a:buClr>
-              <a:buSzPts val="1400"/>
-              <a:buFont typeface="Arial"/>
-              <a:buChar char="●"/>
-              <a:defRPr sz="1400" b="0" i="0" u="none" strike="noStrike" cap="none">
-                <a:solidFill>
-                  <a:schemeClr val="dk2"/>
-                </a:solidFill>
-                <a:latin typeface="Arial"/>
-                <a:ea typeface="Arial"/>
-                <a:cs typeface="Arial"/>
-                <a:sym typeface="Arial"/>
-              </a:defRPr>
-            </a:lvl4pPr>
-            <a:lvl5pPr marL="2286000" marR="0" lvl="4" indent="-317500" algn="l" rtl="0">
-              <a:lnSpc>
-                <a:spcPct val="115000"/>
-              </a:lnSpc>
-              <a:spcBef>
-                <a:spcPts val="0"/>
-              </a:spcBef>
-              <a:spcAft>
-                <a:spcPts val="0"/>
-              </a:spcAft>
-              <a:buClr>
-                <a:schemeClr val="dk2"/>
-              </a:buClr>
-              <a:buSzPts val="1400"/>
-              <a:buFont typeface="Arial"/>
-              <a:buChar char="○"/>
-              <a:defRPr sz="1400" b="0" i="0" u="none" strike="noStrike" cap="none">
-                <a:solidFill>
-                  <a:schemeClr val="dk2"/>
-                </a:solidFill>
-                <a:latin typeface="Arial"/>
-                <a:ea typeface="Arial"/>
-                <a:cs typeface="Arial"/>
-                <a:sym typeface="Arial"/>
-              </a:defRPr>
-            </a:lvl5pPr>
-            <a:lvl6pPr marL="2743200" marR="0" lvl="5" indent="-317500" algn="l" rtl="0">
-              <a:lnSpc>
-                <a:spcPct val="115000"/>
-              </a:lnSpc>
-              <a:spcBef>
-                <a:spcPts val="0"/>
-              </a:spcBef>
-              <a:spcAft>
-                <a:spcPts val="0"/>
-              </a:spcAft>
-              <a:buClr>
-                <a:schemeClr val="dk2"/>
-              </a:buClr>
-              <a:buSzPts val="1400"/>
-              <a:buFont typeface="Arial"/>
-              <a:buChar char="■"/>
-              <a:defRPr sz="1400" b="0" i="0" u="none" strike="noStrike" cap="none">
-                <a:solidFill>
-                  <a:schemeClr val="dk2"/>
-                </a:solidFill>
-                <a:latin typeface="Arial"/>
-                <a:ea typeface="Arial"/>
-                <a:cs typeface="Arial"/>
-                <a:sym typeface="Arial"/>
-              </a:defRPr>
-            </a:lvl6pPr>
-            <a:lvl7pPr marL="3200400" marR="0" lvl="6" indent="-317500" algn="l" rtl="0">
-              <a:lnSpc>
-                <a:spcPct val="115000"/>
-              </a:lnSpc>
-              <a:spcBef>
-                <a:spcPts val="0"/>
-              </a:spcBef>
-              <a:spcAft>
-                <a:spcPts val="0"/>
-              </a:spcAft>
-              <a:buClr>
-                <a:schemeClr val="dk2"/>
-              </a:buClr>
-              <a:buSzPts val="1400"/>
-              <a:buFont typeface="Arial"/>
-              <a:buChar char="●"/>
-              <a:defRPr sz="1400" b="0" i="0" u="none" strike="noStrike" cap="none">
-                <a:solidFill>
-                  <a:schemeClr val="dk2"/>
-                </a:solidFill>
-                <a:latin typeface="Arial"/>
-                <a:ea typeface="Arial"/>
-                <a:cs typeface="Arial"/>
-                <a:sym typeface="Arial"/>
-              </a:defRPr>
-            </a:lvl7pPr>
-            <a:lvl8pPr marL="3657600" marR="0" lvl="7" indent="-317500" algn="l" rtl="0">
-              <a:lnSpc>
-                <a:spcPct val="115000"/>
-              </a:lnSpc>
-              <a:spcBef>
-                <a:spcPts val="0"/>
-              </a:spcBef>
-              <a:spcAft>
-                <a:spcPts val="0"/>
-              </a:spcAft>
-              <a:buClr>
-                <a:schemeClr val="dk2"/>
-              </a:buClr>
-              <a:buSzPts val="1400"/>
-              <a:buFont typeface="Arial"/>
-              <a:buChar char="○"/>
-              <a:defRPr sz="1400" b="0" i="0" u="none" strike="noStrike" cap="none">
-                <a:solidFill>
-                  <a:schemeClr val="dk2"/>
-                </a:solidFill>
-                <a:latin typeface="Arial"/>
-                <a:ea typeface="Arial"/>
-                <a:cs typeface="Arial"/>
-                <a:sym typeface="Arial"/>
-              </a:defRPr>
-            </a:lvl8pPr>
-            <a:lvl9pPr marL="4114800" marR="0" lvl="8" indent="-317500" algn="l" rtl="0">
-              <a:lnSpc>
-                <a:spcPct val="115000"/>
-              </a:lnSpc>
-              <a:spcBef>
-                <a:spcPts val="0"/>
-              </a:spcBef>
-              <a:spcAft>
-                <a:spcPts val="0"/>
-              </a:spcAft>
-              <a:buClr>
-                <a:schemeClr val="dk2"/>
-              </a:buClr>
-              <a:buSzPts val="1400"/>
-              <a:buFont typeface="Arial"/>
-              <a:buChar char="■"/>
-              <a:defRPr sz="1400" b="0" i="0" u="none" strike="noStrike" cap="none">
-                <a:solidFill>
-                  <a:schemeClr val="dk2"/>
-                </a:solidFill>
-                <a:latin typeface="Arial"/>
-                <a:ea typeface="Arial"/>
-                <a:cs typeface="Arial"/>
-                <a:sym typeface="Arial"/>
-              </a:defRPr>
-            </a:lvl9pPr>
-          </a:lstStyle>
-          <a:p>
-            <a:r>
-              <a:rPr lang="en-US" dirty="0"/>
-              <a:t>And you’ll have a fancy response going on </a:t>
-            </a:r>
-            <a:r>
-              <a:rPr lang="en-US" dirty="0">
-                <a:hlinkClick r:id="rId3"/>
-              </a:rPr>
-              <a:t>http://www.local.test/test</a:t>
-            </a:r>
-            <a:endParaRPr lang="en-US" dirty="0"/>
+              <a:t>Delete any previous script, restart, and upload the 03Pact.json</a:t>
+            </a:r>
+          </a:p>
+          <a:p>
+            <a:r>
+              <a:rPr lang="en-US" dirty="0"/>
+              <a:t>Edit the response data from the first POST and add a field to the json object, something like “</a:t>
+            </a:r>
+            <a:r>
+              <a:rPr lang="en-US" dirty="0" err="1"/>
+              <a:t>test”:”something</a:t>
+            </a:r>
+            <a:r>
+              <a:rPr lang="en-US" dirty="0"/>
+              <a:t>”</a:t>
+            </a:r>
+          </a:p>
+          <a:p>
+            <a:r>
+              <a:rPr lang="en-US" dirty="0"/>
+              <a:t>Run the PACT test</a:t>
+            </a:r>
+          </a:p>
+          <a:p>
+            <a:r>
+              <a:rPr lang="en-US" dirty="0"/>
+              <a:t>Enjoy the error!</a:t>
+            </a:r>
           </a:p>
           <a:p>
             <a:endParaRPr lang="en-US" dirty="0"/>
@@ -8343,7 +8342,7 @@
     </p:spTree>
     <p:extLst>
       <p:ext uri="{BB962C8B-B14F-4D97-AF65-F5344CB8AC3E}">
-        <p14:creationId xmlns:p14="http://schemas.microsoft.com/office/powerpoint/2010/main" val="261105692"/>
+        <p14:creationId xmlns:p14="http://schemas.microsoft.com/office/powerpoint/2010/main" val="1972050398"/>
       </p:ext>
     </p:extLst>
   </p:cSld>
@@ -9997,8 +9996,13 @@
           <a:p>
             <a:r>
               <a:rPr lang="en-US" dirty="0"/>
-              <a:t>Delete the appointment</a:t>
-            </a:r>
+              <a:t>Delete </a:t>
+            </a:r>
+            <a:r>
+              <a:rPr lang="en-US"/>
+              <a:t>the appointment “b”</a:t>
+            </a:r>
+            <a:endParaRPr lang="en-US" dirty="0"/>
           </a:p>
           <a:p>
             <a:r>
@@ -10021,7 +10025,7 @@
           <a:p>
             <a:r>
               <a:rPr lang="en-US" dirty="0"/>
-              <a:t>Have fun looking around and exploring the requests editing</a:t>
+              <a:t>Have fun looking around and exploring the requests made by the system!</a:t>
             </a:r>
           </a:p>
         </p:txBody>

--- a/docs/HAM.pptx
+++ b/docs/HAM.pptx
@@ -16,8 +16,8 @@
     <p:sldId id="276" r:id="rId7"/>
     <p:sldId id="277" r:id="rId8"/>
     <p:sldId id="278" r:id="rId9"/>
-    <p:sldId id="279" r:id="rId10"/>
-    <p:sldId id="289" r:id="rId11"/>
+    <p:sldId id="289" r:id="rId10"/>
+    <p:sldId id="279" r:id="rId11"/>
     <p:sldId id="281" r:id="rId12"/>
     <p:sldId id="284" r:id="rId13"/>
     <p:sldId id="282" r:id="rId14"/>
@@ -5835,7 +5835,7 @@
           <p:cNvPr id="2" name="Title 1">
             <a:extLst>
               <a:ext uri="{FF2B5EF4-FFF2-40B4-BE49-F238E27FC236}">
-                <a16:creationId xmlns:a16="http://schemas.microsoft.com/office/drawing/2014/main" id="{FF144CF6-BFA0-4F89-9E0D-4CE9A82FE075}"/>
+                <a16:creationId xmlns:a16="http://schemas.microsoft.com/office/drawing/2014/main" id="{7635A518-41BB-42F9-B60D-0D54906EA811}"/>
               </a:ext>
             </a:extLst>
           </p:cNvPr>
@@ -5855,7 +5855,7 @@
           <a:p>
             <a:r>
               <a:rPr lang="en-US" dirty="0"/>
-              <a:t>Mocking</a:t>
+              <a:t>Prepare</a:t>
             </a:r>
           </a:p>
         </p:txBody>
@@ -5865,7 +5865,7 @@
           <p:cNvPr id="3" name="Text Placeholder 2">
             <a:extLst>
               <a:ext uri="{FF2B5EF4-FFF2-40B4-BE49-F238E27FC236}">
-                <a16:creationId xmlns:a16="http://schemas.microsoft.com/office/drawing/2014/main" id="{4B45FBFF-45D8-4BF8-95EB-2F36D3F69DF4}"/>
+                <a16:creationId xmlns:a16="http://schemas.microsoft.com/office/drawing/2014/main" id="{221AD345-C215-485F-80F8-0A21D24E0AE0}"/>
               </a:ext>
             </a:extLst>
           </p:cNvPr>
@@ -5876,531 +5876,75 @@
             <p:ph type="body" idx="1"/>
           </p:nvPr>
         </p:nvSpPr>
-        <p:spPr>
-          <a:xfrm>
-            <a:off x="311700" y="1152475"/>
-            <a:ext cx="8520600" cy="1953034"/>
-          </a:xfrm>
-        </p:spPr>
+        <p:spPr/>
         <p:txBody>
-          <a:bodyPr>
-            <a:normAutofit lnSpcReduction="10000"/>
-          </a:bodyPr>
+          <a:bodyPr/>
           <a:lstStyle/>
           <a:p>
             <a:r>
               <a:rPr lang="en-US" dirty="0"/>
-              <a:t>Enter the JS Filters plugin</a:t>
-            </a:r>
-          </a:p>
-          <a:p>
-            <a:r>
-              <a:rPr lang="en-US" dirty="0"/>
-              <a:t>Add a new script</a:t>
-            </a:r>
-          </a:p>
-          <a:p>
-            <a:pPr lvl="1"/>
-            <a:r>
-              <a:rPr lang="en-US" dirty="0"/>
-              <a:t>Method: GET</a:t>
-            </a:r>
-          </a:p>
-          <a:p>
-            <a:pPr lvl="1"/>
-            <a:r>
-              <a:rPr lang="en-US" dirty="0"/>
-              <a:t>Host Address: </a:t>
-            </a:r>
-            <a:r>
-              <a:rPr lang="en-US" dirty="0">
-                <a:hlinkClick r:id="rId2"/>
-              </a:rPr>
-              <a:t>www.local.test</a:t>
+              <a:t>Create a new script and start recording</a:t>
+            </a:r>
+          </a:p>
+          <a:p>
+            <a:r>
+              <a:rPr lang="en-US" dirty="0"/>
+              <a:t>Insert a user “a/a”</a:t>
+            </a:r>
+          </a:p>
+          <a:p>
+            <a:r>
+              <a:rPr lang="en-US" dirty="0"/>
+              <a:t>Insert an appointment “b”</a:t>
+            </a:r>
+          </a:p>
+          <a:p>
+            <a:r>
+              <a:rPr lang="en-US" dirty="0"/>
+              <a:t>Change the appointment “b” until the final state</a:t>
+            </a:r>
+          </a:p>
+          <a:p>
+            <a:r>
+              <a:rPr lang="en-US" dirty="0"/>
+              <a:t>Delete </a:t>
+            </a:r>
+            <a:r>
+              <a:rPr lang="en-US"/>
+              <a:t>the appointment “b”</a:t>
             </a:r>
             <a:endParaRPr lang="en-US" dirty="0"/>
           </a:p>
           <a:p>
-            <a:pPr lvl="1"/>
-            <a:r>
-              <a:rPr lang="en-US" dirty="0"/>
-              <a:t>Path Address: /test</a:t>
-            </a:r>
-          </a:p>
-          <a:p>
-            <a:pPr lvl="1"/>
-            <a:r>
-              <a:rPr lang="en-US" dirty="0"/>
-              <a:t>Phase: PRE_RENDER</a:t>
-            </a:r>
-          </a:p>
-          <a:p>
-            <a:pPr lvl="1"/>
-            <a:r>
-              <a:rPr lang="en-US" dirty="0"/>
-              <a:t>Blocking: true</a:t>
-            </a:r>
-          </a:p>
-          <a:p>
-            <a:endParaRPr lang="en-US" dirty="0"/>
-          </a:p>
-        </p:txBody>
-      </p:sp>
-      <p:sp>
-        <p:nvSpPr>
-          <p:cNvPr id="5" name="TextBox 4">
-            <a:extLst>
-              <a:ext uri="{FF2B5EF4-FFF2-40B4-BE49-F238E27FC236}">
-                <a16:creationId xmlns:a16="http://schemas.microsoft.com/office/drawing/2014/main" id="{7D40B076-B033-4F85-8727-2E9703BAAF58}"/>
-              </a:ext>
-            </a:extLst>
-          </p:cNvPr>
-          <p:cNvSpPr txBox="1"/>
-          <p:nvPr/>
-        </p:nvSpPr>
-        <p:spPr>
-          <a:xfrm>
-            <a:off x="422693" y="2934352"/>
-            <a:ext cx="6396527" cy="1169551"/>
-          </a:xfrm>
-          <a:prstGeom prst="rect">
-            <a:avLst/>
-          </a:prstGeom>
-          <a:noFill/>
-        </p:spPr>
-        <p:txBody>
-          <a:bodyPr wrap="square" rtlCol="0">
-            <a:spAutoFit/>
-          </a:bodyPr>
-          <a:lstStyle/>
-          <a:p>
-            <a:r>
-              <a:rPr lang="en-US" sz="1000" dirty="0"/>
-              <a:t>var today = </a:t>
-            </a:r>
-            <a:r>
-              <a:rPr lang="en-US" sz="1000" dirty="0" err="1"/>
-              <a:t>getCurrentDate</a:t>
-            </a:r>
-            <a:r>
-              <a:rPr lang="en-US" sz="1000" dirty="0"/>
-              <a:t>()+</a:t>
-            </a:r>
-            <a:r>
-              <a:rPr lang="en-US" sz="1000" dirty="0" err="1"/>
-              <a:t>utils.loadFile</a:t>
-            </a:r>
-            <a:r>
-              <a:rPr lang="en-US" sz="1000" dirty="0"/>
-              <a:t>('</a:t>
-            </a:r>
-            <a:r>
-              <a:rPr lang="en-US" sz="1000" dirty="0" err="1"/>
-              <a:t>test.txt',false</a:t>
-            </a:r>
-            <a:r>
-              <a:rPr lang="en-US" sz="1000" dirty="0"/>
-              <a:t>);</a:t>
-            </a:r>
-          </a:p>
-          <a:p>
-            <a:r>
-              <a:rPr lang="en-US" sz="1000" dirty="0" err="1"/>
-              <a:t>utils.handleEvent</a:t>
-            </a:r>
-            <a:r>
-              <a:rPr lang="en-US" sz="1000" dirty="0"/>
-              <a:t>('test','{}');</a:t>
-            </a:r>
-          </a:p>
-          <a:p>
-            <a:r>
-              <a:rPr lang="en-US" sz="1000" dirty="0" err="1"/>
-              <a:t>response.setResponseText</a:t>
-            </a:r>
-            <a:r>
-              <a:rPr lang="en-US" sz="1000" dirty="0"/>
-              <a:t>('{"</a:t>
-            </a:r>
-            <a:r>
-              <a:rPr lang="en-US" sz="1000" dirty="0" err="1"/>
-              <a:t>value":"This</a:t>
-            </a:r>
-            <a:r>
-              <a:rPr lang="en-US" sz="1000" dirty="0"/>
-              <a:t> is a calculated </a:t>
-            </a:r>
-            <a:r>
-              <a:rPr lang="en-US" sz="1000" dirty="0" err="1"/>
-              <a:t>javascript</a:t>
-            </a:r>
-            <a:r>
-              <a:rPr lang="en-US" sz="1000" dirty="0"/>
-              <a:t> </a:t>
-            </a:r>
-            <a:r>
-              <a:rPr lang="en-US" sz="1000" dirty="0" err="1"/>
-              <a:t>response","date</a:t>
-            </a:r>
-            <a:r>
-              <a:rPr lang="en-US" sz="1000" dirty="0"/>
-              <a:t>":"'+today+'"}');</a:t>
-            </a:r>
-          </a:p>
-          <a:p>
-            <a:r>
-              <a:rPr lang="en-US" sz="1000" dirty="0" err="1"/>
-              <a:t>response.addHeader</a:t>
-            </a:r>
-            <a:r>
-              <a:rPr lang="en-US" sz="1000" dirty="0"/>
-              <a:t>('Content-</a:t>
-            </a:r>
-            <a:r>
-              <a:rPr lang="en-US" sz="1000" dirty="0" err="1"/>
-              <a:t>Type','application</a:t>
-            </a:r>
-            <a:r>
-              <a:rPr lang="en-US" sz="1000" dirty="0"/>
-              <a:t>/json');</a:t>
-            </a:r>
-          </a:p>
-          <a:p>
-            <a:r>
-              <a:rPr lang="en-US" sz="1000" dirty="0" err="1"/>
-              <a:t>response.setStatusCode</a:t>
-            </a:r>
-            <a:r>
-              <a:rPr lang="en-US" sz="1000" dirty="0"/>
-              <a:t>(200);</a:t>
-            </a:r>
-          </a:p>
-          <a:p>
-            <a:r>
-              <a:rPr lang="en-US" sz="1000" dirty="0" err="1"/>
-              <a:t>request.addHeader</a:t>
-            </a:r>
-            <a:r>
-              <a:rPr lang="en-US" sz="1000" dirty="0"/>
-              <a:t>('</a:t>
-            </a:r>
-            <a:r>
-              <a:rPr lang="en-US" sz="1000" dirty="0" err="1"/>
-              <a:t>Host','test.com</a:t>
-            </a:r>
-            <a:r>
-              <a:rPr lang="en-US" sz="1000" dirty="0"/>
-              <a:t>');</a:t>
-            </a:r>
-          </a:p>
-          <a:p>
-            <a:r>
-              <a:rPr lang="en-US" sz="1000" dirty="0"/>
-              <a:t>return false;</a:t>
-            </a:r>
-          </a:p>
-        </p:txBody>
-      </p:sp>
-      <p:sp>
-        <p:nvSpPr>
-          <p:cNvPr id="6" name="Text Placeholder 2">
-            <a:extLst>
-              <a:ext uri="{FF2B5EF4-FFF2-40B4-BE49-F238E27FC236}">
-                <a16:creationId xmlns:a16="http://schemas.microsoft.com/office/drawing/2014/main" id="{A51C8C96-FB73-47E8-8D40-5B9FE3755D64}"/>
-              </a:ext>
-            </a:extLst>
-          </p:cNvPr>
-          <p:cNvSpPr txBox="1">
-            <a:spLocks/>
-          </p:cNvSpPr>
-          <p:nvPr/>
-        </p:nvSpPr>
-        <p:spPr>
-          <a:xfrm>
-            <a:off x="311700" y="4103903"/>
-            <a:ext cx="8520600" cy="669433"/>
-          </a:xfrm>
-          <a:prstGeom prst="rect">
-            <a:avLst/>
-          </a:prstGeom>
-          <a:noFill/>
-          <a:ln>
-            <a:noFill/>
-          </a:ln>
-        </p:spPr>
-        <p:txBody>
-          <a:bodyPr spcFirstLastPara="1" wrap="square" lIns="91425" tIns="91425" rIns="91425" bIns="91425" anchor="t" anchorCtr="0">
-            <a:normAutofit/>
-          </a:bodyPr>
-          <a:lstStyle>
-            <a:defPPr marR="0" lvl="0" algn="l" rtl="0">
-              <a:lnSpc>
-                <a:spcPct val="100000"/>
-              </a:lnSpc>
-              <a:spcBef>
-                <a:spcPts val="0"/>
-              </a:spcBef>
-              <a:spcAft>
-                <a:spcPts val="0"/>
-              </a:spcAft>
-            </a:defPPr>
-            <a:lvl1pPr marL="457200" marR="0" lvl="0" indent="-342900" algn="l" rtl="0">
-              <a:lnSpc>
-                <a:spcPct val="115000"/>
-              </a:lnSpc>
-              <a:spcBef>
-                <a:spcPts val="0"/>
-              </a:spcBef>
-              <a:spcAft>
-                <a:spcPts val="0"/>
-              </a:spcAft>
-              <a:buClr>
-                <a:schemeClr val="dk2"/>
-              </a:buClr>
-              <a:buSzPts val="1800"/>
-              <a:buFont typeface="Arial"/>
-              <a:buChar char="●"/>
-              <a:defRPr sz="1800" b="0" i="0" u="none" strike="noStrike" cap="none">
-                <a:solidFill>
-                  <a:schemeClr val="dk2"/>
-                </a:solidFill>
-                <a:latin typeface="Arial"/>
-                <a:ea typeface="Arial"/>
-                <a:cs typeface="Arial"/>
-                <a:sym typeface="Arial"/>
-              </a:defRPr>
-            </a:lvl1pPr>
-            <a:lvl2pPr marL="914400" marR="0" lvl="1" indent="-317500" algn="l" rtl="0">
-              <a:lnSpc>
-                <a:spcPct val="115000"/>
-              </a:lnSpc>
-              <a:spcBef>
-                <a:spcPts val="0"/>
-              </a:spcBef>
-              <a:spcAft>
-                <a:spcPts val="0"/>
-              </a:spcAft>
-              <a:buClr>
-                <a:schemeClr val="dk2"/>
-              </a:buClr>
-              <a:buSzPts val="1400"/>
-              <a:buFont typeface="Arial"/>
-              <a:buChar char="○"/>
-              <a:defRPr sz="1400" b="0" i="0" u="none" strike="noStrike" cap="none">
-                <a:solidFill>
-                  <a:schemeClr val="dk2"/>
-                </a:solidFill>
-                <a:latin typeface="Arial"/>
-                <a:ea typeface="Arial"/>
-                <a:cs typeface="Arial"/>
-                <a:sym typeface="Arial"/>
-              </a:defRPr>
-            </a:lvl2pPr>
-            <a:lvl3pPr marL="1371600" marR="0" lvl="2" indent="-317500" algn="l" rtl="0">
-              <a:lnSpc>
-                <a:spcPct val="115000"/>
-              </a:lnSpc>
-              <a:spcBef>
-                <a:spcPts val="0"/>
-              </a:spcBef>
-              <a:spcAft>
-                <a:spcPts val="0"/>
-              </a:spcAft>
-              <a:buClr>
-                <a:schemeClr val="dk2"/>
-              </a:buClr>
-              <a:buSzPts val="1400"/>
-              <a:buFont typeface="Arial"/>
-              <a:buChar char="■"/>
-              <a:defRPr sz="1400" b="0" i="0" u="none" strike="noStrike" cap="none">
-                <a:solidFill>
-                  <a:schemeClr val="dk2"/>
-                </a:solidFill>
-                <a:latin typeface="Arial"/>
-                <a:ea typeface="Arial"/>
-                <a:cs typeface="Arial"/>
-                <a:sym typeface="Arial"/>
-              </a:defRPr>
-            </a:lvl3pPr>
-            <a:lvl4pPr marL="1828800" marR="0" lvl="3" indent="-317500" algn="l" rtl="0">
-              <a:lnSpc>
-                <a:spcPct val="115000"/>
-              </a:lnSpc>
-              <a:spcBef>
-                <a:spcPts val="0"/>
-              </a:spcBef>
-              <a:spcAft>
-                <a:spcPts val="0"/>
-              </a:spcAft>
-              <a:buClr>
-                <a:schemeClr val="dk2"/>
-              </a:buClr>
-              <a:buSzPts val="1400"/>
-              <a:buFont typeface="Arial"/>
-              <a:buChar char="●"/>
-              <a:defRPr sz="1400" b="0" i="0" u="none" strike="noStrike" cap="none">
-                <a:solidFill>
-                  <a:schemeClr val="dk2"/>
-                </a:solidFill>
-                <a:latin typeface="Arial"/>
-                <a:ea typeface="Arial"/>
-                <a:cs typeface="Arial"/>
-                <a:sym typeface="Arial"/>
-              </a:defRPr>
-            </a:lvl4pPr>
-            <a:lvl5pPr marL="2286000" marR="0" lvl="4" indent="-317500" algn="l" rtl="0">
-              <a:lnSpc>
-                <a:spcPct val="115000"/>
-              </a:lnSpc>
-              <a:spcBef>
-                <a:spcPts val="0"/>
-              </a:spcBef>
-              <a:spcAft>
-                <a:spcPts val="0"/>
-              </a:spcAft>
-              <a:buClr>
-                <a:schemeClr val="dk2"/>
-              </a:buClr>
-              <a:buSzPts val="1400"/>
-              <a:buFont typeface="Arial"/>
-              <a:buChar char="○"/>
-              <a:defRPr sz="1400" b="0" i="0" u="none" strike="noStrike" cap="none">
-                <a:solidFill>
-                  <a:schemeClr val="dk2"/>
-                </a:solidFill>
-                <a:latin typeface="Arial"/>
-                <a:ea typeface="Arial"/>
-                <a:cs typeface="Arial"/>
-                <a:sym typeface="Arial"/>
-              </a:defRPr>
-            </a:lvl5pPr>
-            <a:lvl6pPr marL="2743200" marR="0" lvl="5" indent="-317500" algn="l" rtl="0">
-              <a:lnSpc>
-                <a:spcPct val="115000"/>
-              </a:lnSpc>
-              <a:spcBef>
-                <a:spcPts val="0"/>
-              </a:spcBef>
-              <a:spcAft>
-                <a:spcPts val="0"/>
-              </a:spcAft>
-              <a:buClr>
-                <a:schemeClr val="dk2"/>
-              </a:buClr>
-              <a:buSzPts val="1400"/>
-              <a:buFont typeface="Arial"/>
-              <a:buChar char="■"/>
-              <a:defRPr sz="1400" b="0" i="0" u="none" strike="noStrike" cap="none">
-                <a:solidFill>
-                  <a:schemeClr val="dk2"/>
-                </a:solidFill>
-                <a:latin typeface="Arial"/>
-                <a:ea typeface="Arial"/>
-                <a:cs typeface="Arial"/>
-                <a:sym typeface="Arial"/>
-              </a:defRPr>
-            </a:lvl6pPr>
-            <a:lvl7pPr marL="3200400" marR="0" lvl="6" indent="-317500" algn="l" rtl="0">
-              <a:lnSpc>
-                <a:spcPct val="115000"/>
-              </a:lnSpc>
-              <a:spcBef>
-                <a:spcPts val="0"/>
-              </a:spcBef>
-              <a:spcAft>
-                <a:spcPts val="0"/>
-              </a:spcAft>
-              <a:buClr>
-                <a:schemeClr val="dk2"/>
-              </a:buClr>
-              <a:buSzPts val="1400"/>
-              <a:buFont typeface="Arial"/>
-              <a:buChar char="●"/>
-              <a:defRPr sz="1400" b="0" i="0" u="none" strike="noStrike" cap="none">
-                <a:solidFill>
-                  <a:schemeClr val="dk2"/>
-                </a:solidFill>
-                <a:latin typeface="Arial"/>
-                <a:ea typeface="Arial"/>
-                <a:cs typeface="Arial"/>
-                <a:sym typeface="Arial"/>
-              </a:defRPr>
-            </a:lvl7pPr>
-            <a:lvl8pPr marL="3657600" marR="0" lvl="7" indent="-317500" algn="l" rtl="0">
-              <a:lnSpc>
-                <a:spcPct val="115000"/>
-              </a:lnSpc>
-              <a:spcBef>
-                <a:spcPts val="0"/>
-              </a:spcBef>
-              <a:spcAft>
-                <a:spcPts val="0"/>
-              </a:spcAft>
-              <a:buClr>
-                <a:schemeClr val="dk2"/>
-              </a:buClr>
-              <a:buSzPts val="1400"/>
-              <a:buFont typeface="Arial"/>
-              <a:buChar char="○"/>
-              <a:defRPr sz="1400" b="0" i="0" u="none" strike="noStrike" cap="none">
-                <a:solidFill>
-                  <a:schemeClr val="dk2"/>
-                </a:solidFill>
-                <a:latin typeface="Arial"/>
-                <a:ea typeface="Arial"/>
-                <a:cs typeface="Arial"/>
-                <a:sym typeface="Arial"/>
-              </a:defRPr>
-            </a:lvl8pPr>
-            <a:lvl9pPr marL="4114800" marR="0" lvl="8" indent="-317500" algn="l" rtl="0">
-              <a:lnSpc>
-                <a:spcPct val="115000"/>
-              </a:lnSpc>
-              <a:spcBef>
-                <a:spcPts val="0"/>
-              </a:spcBef>
-              <a:spcAft>
-                <a:spcPts val="0"/>
-              </a:spcAft>
-              <a:buClr>
-                <a:schemeClr val="dk2"/>
-              </a:buClr>
-              <a:buSzPts val="1400"/>
-              <a:buFont typeface="Arial"/>
-              <a:buChar char="■"/>
-              <a:defRPr sz="1400" b="0" i="0" u="none" strike="noStrike" cap="none">
-                <a:solidFill>
-                  <a:schemeClr val="dk2"/>
-                </a:solidFill>
-                <a:latin typeface="Arial"/>
-                <a:ea typeface="Arial"/>
-                <a:cs typeface="Arial"/>
-                <a:sym typeface="Arial"/>
-              </a:defRPr>
-            </a:lvl9pPr>
-          </a:lstStyle>
-          <a:p>
-            <a:r>
-              <a:rPr lang="en-US" dirty="0"/>
-              <a:t>And you’ll have a fancy response going on </a:t>
-            </a:r>
-            <a:r>
-              <a:rPr lang="en-US" dirty="0">
-                <a:hlinkClick r:id="rId3"/>
-              </a:rPr>
-              <a:t>http://www.local.test/test</a:t>
-            </a:r>
-            <a:endParaRPr lang="en-US" dirty="0"/>
-          </a:p>
-          <a:p>
-            <a:endParaRPr lang="en-US" dirty="0"/>
+            <a:r>
+              <a:rPr lang="en-US" dirty="0"/>
+              <a:t>Go on Employees and delete “a/a”</a:t>
+            </a:r>
+          </a:p>
+          <a:p>
+            <a:r>
+              <a:rPr lang="en-US" dirty="0"/>
+              <a:t>Stop recording</a:t>
+            </a:r>
+          </a:p>
+          <a:p>
+            <a:r>
+              <a:rPr lang="en-US" dirty="0"/>
+              <a:t>Download the script and rename it 00Master.json</a:t>
+            </a:r>
+          </a:p>
+          <a:p>
+            <a:r>
+              <a:rPr lang="en-US" dirty="0"/>
+              <a:t>Have fun looking around and exploring the requests made by the system!</a:t>
+            </a:r>
           </a:p>
         </p:txBody>
       </p:sp>
     </p:spTree>
     <p:extLst>
       <p:ext uri="{BB962C8B-B14F-4D97-AF65-F5344CB8AC3E}">
-        <p14:creationId xmlns:p14="http://schemas.microsoft.com/office/powerpoint/2010/main" val="261105692"/>
+        <p14:creationId xmlns:p14="http://schemas.microsoft.com/office/powerpoint/2010/main" val="3198641961"/>
       </p:ext>
     </p:extLst>
   </p:cSld>
@@ -9924,7 +9468,7 @@
           <p:cNvPr id="2" name="Title 1">
             <a:extLst>
               <a:ext uri="{FF2B5EF4-FFF2-40B4-BE49-F238E27FC236}">
-                <a16:creationId xmlns:a16="http://schemas.microsoft.com/office/drawing/2014/main" id="{7635A518-41BB-42F9-B60D-0D54906EA811}"/>
+                <a16:creationId xmlns:a16="http://schemas.microsoft.com/office/drawing/2014/main" id="{FF144CF6-BFA0-4F89-9E0D-4CE9A82FE075}"/>
               </a:ext>
             </a:extLst>
           </p:cNvPr>
@@ -9944,7 +9488,7 @@
           <a:p>
             <a:r>
               <a:rPr lang="en-US" dirty="0"/>
-              <a:t>Prepare</a:t>
+              <a:t>Mocking</a:t>
             </a:r>
           </a:p>
         </p:txBody>
@@ -9954,7 +9498,7 @@
           <p:cNvPr id="3" name="Text Placeholder 2">
             <a:extLst>
               <a:ext uri="{FF2B5EF4-FFF2-40B4-BE49-F238E27FC236}">
-                <a16:creationId xmlns:a16="http://schemas.microsoft.com/office/drawing/2014/main" id="{221AD345-C215-485F-80F8-0A21D24E0AE0}"/>
+                <a16:creationId xmlns:a16="http://schemas.microsoft.com/office/drawing/2014/main" id="{4B45FBFF-45D8-4BF8-95EB-2F36D3F69DF4}"/>
               </a:ext>
             </a:extLst>
           </p:cNvPr>
@@ -9965,75 +9509,507 @@
             <p:ph type="body" idx="1"/>
           </p:nvPr>
         </p:nvSpPr>
-        <p:spPr/>
+        <p:spPr>
+          <a:xfrm>
+            <a:off x="311700" y="1152475"/>
+            <a:ext cx="8520600" cy="1953034"/>
+          </a:xfrm>
+        </p:spPr>
         <p:txBody>
-          <a:bodyPr/>
+          <a:bodyPr>
+            <a:normAutofit lnSpcReduction="10000"/>
+          </a:bodyPr>
           <a:lstStyle/>
           <a:p>
             <a:r>
               <a:rPr lang="en-US" dirty="0"/>
-              <a:t>Create a new script and start recording</a:t>
-            </a:r>
-          </a:p>
-          <a:p>
-            <a:r>
-              <a:rPr lang="en-US" dirty="0"/>
-              <a:t>Insert a user “a/a”</a:t>
-            </a:r>
-          </a:p>
-          <a:p>
-            <a:r>
-              <a:rPr lang="en-US" dirty="0"/>
-              <a:t>Insert an appointment “b”</a:t>
-            </a:r>
-          </a:p>
-          <a:p>
-            <a:r>
-              <a:rPr lang="en-US" dirty="0"/>
-              <a:t>Change the appointment “b” until the final state</a:t>
-            </a:r>
-          </a:p>
-          <a:p>
-            <a:r>
-              <a:rPr lang="en-US" dirty="0"/>
-              <a:t>Delete </a:t>
-            </a:r>
-            <a:r>
-              <a:rPr lang="en-US"/>
-              <a:t>the appointment “b”</a:t>
+              <a:t>Enter the JS Filters plugin</a:t>
+            </a:r>
+          </a:p>
+          <a:p>
+            <a:r>
+              <a:rPr lang="en-US" dirty="0"/>
+              <a:t>Add a new script</a:t>
+            </a:r>
+          </a:p>
+          <a:p>
+            <a:pPr lvl="1"/>
+            <a:r>
+              <a:rPr lang="en-US" dirty="0"/>
+              <a:t>Method: GET</a:t>
+            </a:r>
+          </a:p>
+          <a:p>
+            <a:pPr lvl="1"/>
+            <a:r>
+              <a:rPr lang="en-US" dirty="0"/>
+              <a:t>Host Address: </a:t>
+            </a:r>
+            <a:r>
+              <a:rPr lang="en-US" dirty="0">
+                <a:hlinkClick r:id="rId2"/>
+              </a:rPr>
+              <a:t>www.local.test</a:t>
             </a:r>
             <a:endParaRPr lang="en-US" dirty="0"/>
           </a:p>
           <a:p>
-            <a:r>
-              <a:rPr lang="en-US" dirty="0"/>
-              <a:t>Go on Employees and delete “a/a”</a:t>
-            </a:r>
-          </a:p>
-          <a:p>
-            <a:r>
-              <a:rPr lang="en-US" dirty="0"/>
-              <a:t>Stop recording</a:t>
-            </a:r>
-          </a:p>
-          <a:p>
-            <a:r>
-              <a:rPr lang="en-US" dirty="0"/>
-              <a:t>Download the script and rename it 00Master.json</a:t>
-            </a:r>
-          </a:p>
-          <a:p>
-            <a:r>
-              <a:rPr lang="en-US" dirty="0"/>
-              <a:t>Have fun looking around and exploring the requests made by the system!</a:t>
-            </a:r>
+            <a:pPr lvl="1"/>
+            <a:r>
+              <a:rPr lang="en-US" dirty="0"/>
+              <a:t>Path Address: /test</a:t>
+            </a:r>
+          </a:p>
+          <a:p>
+            <a:pPr lvl="1"/>
+            <a:r>
+              <a:rPr lang="en-US" dirty="0"/>
+              <a:t>Phase: PRE_RENDER</a:t>
+            </a:r>
+          </a:p>
+          <a:p>
+            <a:pPr lvl="1"/>
+            <a:r>
+              <a:rPr lang="en-US" dirty="0"/>
+              <a:t>Blocking: true</a:t>
+            </a:r>
+          </a:p>
+          <a:p>
+            <a:endParaRPr lang="en-US" dirty="0"/>
+          </a:p>
+        </p:txBody>
+      </p:sp>
+      <p:sp>
+        <p:nvSpPr>
+          <p:cNvPr id="5" name="TextBox 4">
+            <a:extLst>
+              <a:ext uri="{FF2B5EF4-FFF2-40B4-BE49-F238E27FC236}">
+                <a16:creationId xmlns:a16="http://schemas.microsoft.com/office/drawing/2014/main" id="{7D40B076-B033-4F85-8727-2E9703BAAF58}"/>
+              </a:ext>
+            </a:extLst>
+          </p:cNvPr>
+          <p:cNvSpPr txBox="1"/>
+          <p:nvPr/>
+        </p:nvSpPr>
+        <p:spPr>
+          <a:xfrm>
+            <a:off x="422693" y="2934352"/>
+            <a:ext cx="6396527" cy="1169551"/>
+          </a:xfrm>
+          <a:prstGeom prst="rect">
+            <a:avLst/>
+          </a:prstGeom>
+          <a:noFill/>
+        </p:spPr>
+        <p:txBody>
+          <a:bodyPr wrap="square" rtlCol="0">
+            <a:spAutoFit/>
+          </a:bodyPr>
+          <a:lstStyle/>
+          <a:p>
+            <a:r>
+              <a:rPr lang="en-US" sz="1000" dirty="0"/>
+              <a:t>var today = new Date()+” is today”;</a:t>
+            </a:r>
+          </a:p>
+          <a:p>
+            <a:r>
+              <a:rPr lang="en-US" sz="1000" dirty="0" err="1"/>
+              <a:t>utils.handleEvent</a:t>
+            </a:r>
+            <a:r>
+              <a:rPr lang="en-US" sz="1000" dirty="0"/>
+              <a:t>('test','{}');</a:t>
+            </a:r>
+          </a:p>
+          <a:p>
+            <a:r>
+              <a:rPr lang="en-US" sz="1000" dirty="0" err="1"/>
+              <a:t>response.setResponseText</a:t>
+            </a:r>
+            <a:r>
+              <a:rPr lang="en-US" sz="1000" dirty="0"/>
+              <a:t>('{"</a:t>
+            </a:r>
+            <a:r>
+              <a:rPr lang="en-US" sz="1000" dirty="0" err="1"/>
+              <a:t>value":"This</a:t>
+            </a:r>
+            <a:r>
+              <a:rPr lang="en-US" sz="1000" dirty="0"/>
+              <a:t> is a calculated </a:t>
+            </a:r>
+            <a:r>
+              <a:rPr lang="en-US" sz="1000" dirty="0" err="1"/>
+              <a:t>javascript</a:t>
+            </a:r>
+            <a:r>
+              <a:rPr lang="en-US" sz="1000" dirty="0"/>
+              <a:t> </a:t>
+            </a:r>
+            <a:r>
+              <a:rPr lang="en-US" sz="1000" dirty="0" err="1"/>
+              <a:t>response","date</a:t>
+            </a:r>
+            <a:r>
+              <a:rPr lang="en-US" sz="1000" dirty="0"/>
+              <a:t>":"'+today+'"}');</a:t>
+            </a:r>
+          </a:p>
+          <a:p>
+            <a:r>
+              <a:rPr lang="en-US" sz="1000" dirty="0" err="1"/>
+              <a:t>response.addHeader</a:t>
+            </a:r>
+            <a:r>
+              <a:rPr lang="en-US" sz="1000" dirty="0"/>
+              <a:t>('Content-</a:t>
+            </a:r>
+            <a:r>
+              <a:rPr lang="en-US" sz="1000" dirty="0" err="1"/>
+              <a:t>Type','application</a:t>
+            </a:r>
+            <a:r>
+              <a:rPr lang="en-US" sz="1000" dirty="0"/>
+              <a:t>/json');</a:t>
+            </a:r>
+          </a:p>
+          <a:p>
+            <a:r>
+              <a:rPr lang="en-US" sz="1000" dirty="0" err="1"/>
+              <a:t>response.setStatusCode</a:t>
+            </a:r>
+            <a:r>
+              <a:rPr lang="en-US" sz="1000" dirty="0"/>
+              <a:t>(200);</a:t>
+            </a:r>
+          </a:p>
+          <a:p>
+            <a:r>
+              <a:rPr lang="en-US" sz="1000" dirty="0" err="1"/>
+              <a:t>request.addHeader</a:t>
+            </a:r>
+            <a:r>
+              <a:rPr lang="en-US" sz="1000" dirty="0"/>
+              <a:t>('</a:t>
+            </a:r>
+            <a:r>
+              <a:rPr lang="en-US" sz="1000" dirty="0" err="1"/>
+              <a:t>Host','test.com</a:t>
+            </a:r>
+            <a:r>
+              <a:rPr lang="en-US" sz="1000" dirty="0"/>
+              <a:t>');</a:t>
+            </a:r>
+          </a:p>
+          <a:p>
+            <a:r>
+              <a:rPr lang="en-US" sz="1000" dirty="0"/>
+              <a:t>return false;</a:t>
+            </a:r>
+          </a:p>
+        </p:txBody>
+      </p:sp>
+      <p:sp>
+        <p:nvSpPr>
+          <p:cNvPr id="6" name="Text Placeholder 2">
+            <a:extLst>
+              <a:ext uri="{FF2B5EF4-FFF2-40B4-BE49-F238E27FC236}">
+                <a16:creationId xmlns:a16="http://schemas.microsoft.com/office/drawing/2014/main" id="{A51C8C96-FB73-47E8-8D40-5B9FE3755D64}"/>
+              </a:ext>
+            </a:extLst>
+          </p:cNvPr>
+          <p:cNvSpPr txBox="1">
+            <a:spLocks/>
+          </p:cNvSpPr>
+          <p:nvPr/>
+        </p:nvSpPr>
+        <p:spPr>
+          <a:xfrm>
+            <a:off x="311700" y="4103903"/>
+            <a:ext cx="8520600" cy="669433"/>
+          </a:xfrm>
+          <a:prstGeom prst="rect">
+            <a:avLst/>
+          </a:prstGeom>
+          <a:noFill/>
+          <a:ln>
+            <a:noFill/>
+          </a:ln>
+        </p:spPr>
+        <p:txBody>
+          <a:bodyPr spcFirstLastPara="1" wrap="square" lIns="91425" tIns="91425" rIns="91425" bIns="91425" anchor="t" anchorCtr="0">
+            <a:normAutofit/>
+          </a:bodyPr>
+          <a:lstStyle>
+            <a:defPPr marR="0" lvl="0" algn="l" rtl="0">
+              <a:lnSpc>
+                <a:spcPct val="100000"/>
+              </a:lnSpc>
+              <a:spcBef>
+                <a:spcPts val="0"/>
+              </a:spcBef>
+              <a:spcAft>
+                <a:spcPts val="0"/>
+              </a:spcAft>
+            </a:defPPr>
+            <a:lvl1pPr marL="457200" marR="0" lvl="0" indent="-342900" algn="l" rtl="0">
+              <a:lnSpc>
+                <a:spcPct val="115000"/>
+              </a:lnSpc>
+              <a:spcBef>
+                <a:spcPts val="0"/>
+              </a:spcBef>
+              <a:spcAft>
+                <a:spcPts val="0"/>
+              </a:spcAft>
+              <a:buClr>
+                <a:schemeClr val="dk2"/>
+              </a:buClr>
+              <a:buSzPts val="1800"/>
+              <a:buFont typeface="Arial"/>
+              <a:buChar char="●"/>
+              <a:defRPr sz="1800" b="0" i="0" u="none" strike="noStrike" cap="none">
+                <a:solidFill>
+                  <a:schemeClr val="dk2"/>
+                </a:solidFill>
+                <a:latin typeface="Arial"/>
+                <a:ea typeface="Arial"/>
+                <a:cs typeface="Arial"/>
+                <a:sym typeface="Arial"/>
+              </a:defRPr>
+            </a:lvl1pPr>
+            <a:lvl2pPr marL="914400" marR="0" lvl="1" indent="-317500" algn="l" rtl="0">
+              <a:lnSpc>
+                <a:spcPct val="115000"/>
+              </a:lnSpc>
+              <a:spcBef>
+                <a:spcPts val="0"/>
+              </a:spcBef>
+              <a:spcAft>
+                <a:spcPts val="0"/>
+              </a:spcAft>
+              <a:buClr>
+                <a:schemeClr val="dk2"/>
+              </a:buClr>
+              <a:buSzPts val="1400"/>
+              <a:buFont typeface="Arial"/>
+              <a:buChar char="○"/>
+              <a:defRPr sz="1400" b="0" i="0" u="none" strike="noStrike" cap="none">
+                <a:solidFill>
+                  <a:schemeClr val="dk2"/>
+                </a:solidFill>
+                <a:latin typeface="Arial"/>
+                <a:ea typeface="Arial"/>
+                <a:cs typeface="Arial"/>
+                <a:sym typeface="Arial"/>
+              </a:defRPr>
+            </a:lvl2pPr>
+            <a:lvl3pPr marL="1371600" marR="0" lvl="2" indent="-317500" algn="l" rtl="0">
+              <a:lnSpc>
+                <a:spcPct val="115000"/>
+              </a:lnSpc>
+              <a:spcBef>
+                <a:spcPts val="0"/>
+              </a:spcBef>
+              <a:spcAft>
+                <a:spcPts val="0"/>
+              </a:spcAft>
+              <a:buClr>
+                <a:schemeClr val="dk2"/>
+              </a:buClr>
+              <a:buSzPts val="1400"/>
+              <a:buFont typeface="Arial"/>
+              <a:buChar char="■"/>
+              <a:defRPr sz="1400" b="0" i="0" u="none" strike="noStrike" cap="none">
+                <a:solidFill>
+                  <a:schemeClr val="dk2"/>
+                </a:solidFill>
+                <a:latin typeface="Arial"/>
+                <a:ea typeface="Arial"/>
+                <a:cs typeface="Arial"/>
+                <a:sym typeface="Arial"/>
+              </a:defRPr>
+            </a:lvl3pPr>
+            <a:lvl4pPr marL="1828800" marR="0" lvl="3" indent="-317500" algn="l" rtl="0">
+              <a:lnSpc>
+                <a:spcPct val="115000"/>
+              </a:lnSpc>
+              <a:spcBef>
+                <a:spcPts val="0"/>
+              </a:spcBef>
+              <a:spcAft>
+                <a:spcPts val="0"/>
+              </a:spcAft>
+              <a:buClr>
+                <a:schemeClr val="dk2"/>
+              </a:buClr>
+              <a:buSzPts val="1400"/>
+              <a:buFont typeface="Arial"/>
+              <a:buChar char="●"/>
+              <a:defRPr sz="1400" b="0" i="0" u="none" strike="noStrike" cap="none">
+                <a:solidFill>
+                  <a:schemeClr val="dk2"/>
+                </a:solidFill>
+                <a:latin typeface="Arial"/>
+                <a:ea typeface="Arial"/>
+                <a:cs typeface="Arial"/>
+                <a:sym typeface="Arial"/>
+              </a:defRPr>
+            </a:lvl4pPr>
+            <a:lvl5pPr marL="2286000" marR="0" lvl="4" indent="-317500" algn="l" rtl="0">
+              <a:lnSpc>
+                <a:spcPct val="115000"/>
+              </a:lnSpc>
+              <a:spcBef>
+                <a:spcPts val="0"/>
+              </a:spcBef>
+              <a:spcAft>
+                <a:spcPts val="0"/>
+              </a:spcAft>
+              <a:buClr>
+                <a:schemeClr val="dk2"/>
+              </a:buClr>
+              <a:buSzPts val="1400"/>
+              <a:buFont typeface="Arial"/>
+              <a:buChar char="○"/>
+              <a:defRPr sz="1400" b="0" i="0" u="none" strike="noStrike" cap="none">
+                <a:solidFill>
+                  <a:schemeClr val="dk2"/>
+                </a:solidFill>
+                <a:latin typeface="Arial"/>
+                <a:ea typeface="Arial"/>
+                <a:cs typeface="Arial"/>
+                <a:sym typeface="Arial"/>
+              </a:defRPr>
+            </a:lvl5pPr>
+            <a:lvl6pPr marL="2743200" marR="0" lvl="5" indent="-317500" algn="l" rtl="0">
+              <a:lnSpc>
+                <a:spcPct val="115000"/>
+              </a:lnSpc>
+              <a:spcBef>
+                <a:spcPts val="0"/>
+              </a:spcBef>
+              <a:spcAft>
+                <a:spcPts val="0"/>
+              </a:spcAft>
+              <a:buClr>
+                <a:schemeClr val="dk2"/>
+              </a:buClr>
+              <a:buSzPts val="1400"/>
+              <a:buFont typeface="Arial"/>
+              <a:buChar char="■"/>
+              <a:defRPr sz="1400" b="0" i="0" u="none" strike="noStrike" cap="none">
+                <a:solidFill>
+                  <a:schemeClr val="dk2"/>
+                </a:solidFill>
+                <a:latin typeface="Arial"/>
+                <a:ea typeface="Arial"/>
+                <a:cs typeface="Arial"/>
+                <a:sym typeface="Arial"/>
+              </a:defRPr>
+            </a:lvl6pPr>
+            <a:lvl7pPr marL="3200400" marR="0" lvl="6" indent="-317500" algn="l" rtl="0">
+              <a:lnSpc>
+                <a:spcPct val="115000"/>
+              </a:lnSpc>
+              <a:spcBef>
+                <a:spcPts val="0"/>
+              </a:spcBef>
+              <a:spcAft>
+                <a:spcPts val="0"/>
+              </a:spcAft>
+              <a:buClr>
+                <a:schemeClr val="dk2"/>
+              </a:buClr>
+              <a:buSzPts val="1400"/>
+              <a:buFont typeface="Arial"/>
+              <a:buChar char="●"/>
+              <a:defRPr sz="1400" b="0" i="0" u="none" strike="noStrike" cap="none">
+                <a:solidFill>
+                  <a:schemeClr val="dk2"/>
+                </a:solidFill>
+                <a:latin typeface="Arial"/>
+                <a:ea typeface="Arial"/>
+                <a:cs typeface="Arial"/>
+                <a:sym typeface="Arial"/>
+              </a:defRPr>
+            </a:lvl7pPr>
+            <a:lvl8pPr marL="3657600" marR="0" lvl="7" indent="-317500" algn="l" rtl="0">
+              <a:lnSpc>
+                <a:spcPct val="115000"/>
+              </a:lnSpc>
+              <a:spcBef>
+                <a:spcPts val="0"/>
+              </a:spcBef>
+              <a:spcAft>
+                <a:spcPts val="0"/>
+              </a:spcAft>
+              <a:buClr>
+                <a:schemeClr val="dk2"/>
+              </a:buClr>
+              <a:buSzPts val="1400"/>
+              <a:buFont typeface="Arial"/>
+              <a:buChar char="○"/>
+              <a:defRPr sz="1400" b="0" i="0" u="none" strike="noStrike" cap="none">
+                <a:solidFill>
+                  <a:schemeClr val="dk2"/>
+                </a:solidFill>
+                <a:latin typeface="Arial"/>
+                <a:ea typeface="Arial"/>
+                <a:cs typeface="Arial"/>
+                <a:sym typeface="Arial"/>
+              </a:defRPr>
+            </a:lvl8pPr>
+            <a:lvl9pPr marL="4114800" marR="0" lvl="8" indent="-317500" algn="l" rtl="0">
+              <a:lnSpc>
+                <a:spcPct val="115000"/>
+              </a:lnSpc>
+              <a:spcBef>
+                <a:spcPts val="0"/>
+              </a:spcBef>
+              <a:spcAft>
+                <a:spcPts val="0"/>
+              </a:spcAft>
+              <a:buClr>
+                <a:schemeClr val="dk2"/>
+              </a:buClr>
+              <a:buSzPts val="1400"/>
+              <a:buFont typeface="Arial"/>
+              <a:buChar char="■"/>
+              <a:defRPr sz="1400" b="0" i="0" u="none" strike="noStrike" cap="none">
+                <a:solidFill>
+                  <a:schemeClr val="dk2"/>
+                </a:solidFill>
+                <a:latin typeface="Arial"/>
+                <a:ea typeface="Arial"/>
+                <a:cs typeface="Arial"/>
+                <a:sym typeface="Arial"/>
+              </a:defRPr>
+            </a:lvl9pPr>
+          </a:lstStyle>
+          <a:p>
+            <a:r>
+              <a:rPr lang="en-US" dirty="0"/>
+              <a:t>And you’ll have a fancy response going on </a:t>
+            </a:r>
+            <a:r>
+              <a:rPr lang="en-US" dirty="0">
+                <a:hlinkClick r:id="rId3"/>
+              </a:rPr>
+              <a:t>http://www.local.test/test</a:t>
+            </a:r>
+            <a:endParaRPr lang="en-US" dirty="0"/>
+          </a:p>
+          <a:p>
+            <a:endParaRPr lang="en-US" dirty="0"/>
           </a:p>
         </p:txBody>
       </p:sp>
     </p:spTree>
     <p:extLst>
       <p:ext uri="{BB962C8B-B14F-4D97-AF65-F5344CB8AC3E}">
-        <p14:creationId xmlns:p14="http://schemas.microsoft.com/office/powerpoint/2010/main" val="3198641961"/>
+        <p14:creationId xmlns:p14="http://schemas.microsoft.com/office/powerpoint/2010/main" val="261105692"/>
       </p:ext>
     </p:extLst>
   </p:cSld>
